--- a/PosterTemplate.pptx
+++ b/PosterTemplate.pptx
@@ -906,11 +906,18 @@
 <file path=ppt/diagrams/data1.xml><?xml version="1.0" encoding="utf-8"?>
 <dgm:dataModel xmlns:dgm="http://schemas.openxmlformats.org/drawingml/2006/diagram" xmlns:a="http://schemas.openxmlformats.org/drawingml/2006/main">
   <dgm:ptLst>
-    <dgm:pt modelId="{13B20352-5F43-4263-9F38-0C43DB127E66}" type="doc">
-      <dgm:prSet loTypeId="urn:microsoft.com/office/officeart/2005/8/layout/process1" loCatId="process" qsTypeId="urn:microsoft.com/office/officeart/2005/8/quickstyle/simple1" qsCatId="simple" csTypeId="urn:microsoft.com/office/officeart/2005/8/colors/accent1_2" csCatId="accent1" phldr="1"/>
+    <dgm:pt modelId="{12539BE7-0782-474D-9B84-87E38946A2A5}" type="doc">
+      <dgm:prSet loTypeId="urn:microsoft.com/office/officeart/2005/8/layout/process2" loCatId="process" qsTypeId="urn:microsoft.com/office/officeart/2005/8/quickstyle/simple1" qsCatId="simple" csTypeId="urn:microsoft.com/office/officeart/2005/8/colors/accent1_2" csCatId="accent1" phldr="1"/>
       <dgm:spPr/>
+      <dgm:t>
+        <a:bodyPr/>
+        <a:lstStyle/>
+        <a:p>
+          <a:endParaRPr lang="en-US"/>
+        </a:p>
+      </dgm:t>
     </dgm:pt>
-    <dgm:pt modelId="{6598FDF8-F2B9-4176-AD70-619AB87D4C0E}">
+    <dgm:pt modelId="{165A0A50-A03A-4172-991B-C8A70C7542DF}">
       <dgm:prSet phldrT="[Text]"/>
       <dgm:spPr/>
       <dgm:t>
@@ -925,7 +932,7 @@
         </a:p>
       </dgm:t>
     </dgm:pt>
-    <dgm:pt modelId="{E8DC19C3-FDB4-4348-8A5C-EAE833FE09F7}" type="parTrans" cxnId="{501B02C1-7D05-4B2C-A9EE-61A0733C8687}">
+    <dgm:pt modelId="{72AC7DCC-23BA-41BD-AD53-BF4A8A088C84}" type="parTrans" cxnId="{340E9408-FF34-4E8E-BDA3-7505278D5FCB}">
       <dgm:prSet/>
       <dgm:spPr/>
       <dgm:t>
@@ -936,7 +943,7 @@
         </a:p>
       </dgm:t>
     </dgm:pt>
-    <dgm:pt modelId="{2B2EC2BF-8E90-41E8-AC31-42D0766748BE}" type="sibTrans" cxnId="{501B02C1-7D05-4B2C-A9EE-61A0733C8687}">
+    <dgm:pt modelId="{921027FA-E673-460D-94D4-D4C33DDCA357}" type="sibTrans" cxnId="{340E9408-FF34-4E8E-BDA3-7505278D5FCB}">
       <dgm:prSet/>
       <dgm:spPr/>
       <dgm:t>
@@ -947,7 +954,7 @@
         </a:p>
       </dgm:t>
     </dgm:pt>
-    <dgm:pt modelId="{16BFDA77-EFEA-436C-8719-6392F73CEB4A}">
+    <dgm:pt modelId="{159AC4FA-8843-4269-9C43-F1ECA66991D0}">
       <dgm:prSet phldrT="[Text]"/>
       <dgm:spPr/>
       <dgm:t>
@@ -956,13 +963,13 @@
         <a:p>
           <a:r>
             <a:rPr lang="en-US" dirty="0" smtClean="0"/>
-            <a:t>Maximal White Rectangles</a:t>
+            <a:t>Find Maximal White Rectangles</a:t>
           </a:r>
           <a:endParaRPr lang="en-US" dirty="0"/>
         </a:p>
       </dgm:t>
     </dgm:pt>
-    <dgm:pt modelId="{275E29B3-DF60-46BA-B81C-66F2A52E5774}" type="parTrans" cxnId="{E24274FD-1565-4920-A524-68C39241B49A}">
+    <dgm:pt modelId="{12395B2D-8720-4D5A-B900-477638FA7EBD}" type="parTrans" cxnId="{CF46E3E7-6E47-494B-96A8-0152C5EA4E0A}">
       <dgm:prSet/>
       <dgm:spPr/>
       <dgm:t>
@@ -973,7 +980,7 @@
         </a:p>
       </dgm:t>
     </dgm:pt>
-    <dgm:pt modelId="{B84FE729-8D51-4F78-94F3-62E2705BE125}" type="sibTrans" cxnId="{E24274FD-1565-4920-A524-68C39241B49A}">
+    <dgm:pt modelId="{C9A36B28-02F3-402E-8A4D-D3DEF1A78F38}" type="sibTrans" cxnId="{CF46E3E7-6E47-494B-96A8-0152C5EA4E0A}">
       <dgm:prSet/>
       <dgm:spPr/>
       <dgm:t>
@@ -984,7 +991,7 @@
         </a:p>
       </dgm:t>
     </dgm:pt>
-    <dgm:pt modelId="{8F0A7BCD-B5E2-4610-80E1-458220CFED90}">
+    <dgm:pt modelId="{FB11CADB-BA9B-47CC-9F5F-BBB50BEB1350}">
       <dgm:prSet phldrT="[Text]"/>
       <dgm:spPr/>
       <dgm:t>
@@ -993,13 +1000,13 @@
         <a:p>
           <a:r>
             <a:rPr lang="en-US" dirty="0" smtClean="0"/>
-            <a:t>Classification</a:t>
+            <a:t>Classify Regions</a:t>
           </a:r>
           <a:endParaRPr lang="en-US" dirty="0"/>
         </a:p>
       </dgm:t>
     </dgm:pt>
-    <dgm:pt modelId="{36D8B28F-6A15-4C23-A034-702F7A840CEB}" type="parTrans" cxnId="{C88DF86D-D909-41ED-B67A-61EDF7CBCAD2}">
+    <dgm:pt modelId="{CC3E26A5-06E7-44D3-ACF4-8046BCB8F880}" type="parTrans" cxnId="{E21F407A-8B82-419D-A979-E671DC2744EE}">
       <dgm:prSet/>
       <dgm:spPr/>
       <dgm:t>
@@ -1010,7 +1017,7 @@
         </a:p>
       </dgm:t>
     </dgm:pt>
-    <dgm:pt modelId="{805DD67F-F222-4251-9E98-43416C49D491}" type="sibTrans" cxnId="{C88DF86D-D909-41ED-B67A-61EDF7CBCAD2}">
+    <dgm:pt modelId="{9A37B940-A608-4440-87CA-80004935EF14}" type="sibTrans" cxnId="{E21F407A-8B82-419D-A979-E671DC2744EE}">
       <dgm:prSet/>
       <dgm:spPr/>
       <dgm:t>
@@ -1021,33 +1028,23 @@
         </a:p>
       </dgm:t>
     </dgm:pt>
-    <dgm:pt modelId="{A57C9994-155C-4909-9F57-6DCBF14EFFE1}" type="pres">
-      <dgm:prSet presAssocID="{13B20352-5F43-4263-9F38-0C43DB127E66}" presName="Name0" presStyleCnt="0">
+    <dgm:pt modelId="{EFFF3CAD-8901-4423-9C91-1FC64B799597}" type="pres">
+      <dgm:prSet presAssocID="{12539BE7-0782-474D-9B84-87E38946A2A5}" presName="linearFlow" presStyleCnt="0">
         <dgm:presLayoutVars>
-          <dgm:dir/>
           <dgm:resizeHandles val="exact"/>
         </dgm:presLayoutVars>
       </dgm:prSet>
       <dgm:spPr/>
+      <dgm:t>
+        <a:bodyPr/>
+        <a:lstStyle/>
+        <a:p>
+          <a:endParaRPr lang="en-US"/>
+        </a:p>
+      </dgm:t>
     </dgm:pt>
-    <dgm:pt modelId="{9C5D0837-88B1-48D2-AC56-62420D99FBE8}" type="pres">
-      <dgm:prSet presAssocID="{6598FDF8-F2B9-4176-AD70-619AB87D4C0E}" presName="node" presStyleLbl="node1" presStyleIdx="0" presStyleCnt="3">
-        <dgm:presLayoutVars>
-          <dgm:bulletEnabled val="1"/>
-        </dgm:presLayoutVars>
-      </dgm:prSet>
-      <dgm:spPr/>
-    </dgm:pt>
-    <dgm:pt modelId="{5117C7E7-6C32-4F36-BDB8-65CF4B507A8F}" type="pres">
-      <dgm:prSet presAssocID="{2B2EC2BF-8E90-41E8-AC31-42D0766748BE}" presName="sibTrans" presStyleLbl="sibTrans2D1" presStyleIdx="0" presStyleCnt="2"/>
-      <dgm:spPr/>
-    </dgm:pt>
-    <dgm:pt modelId="{5888185A-8F2B-415E-A391-9AA98D967D31}" type="pres">
-      <dgm:prSet presAssocID="{2B2EC2BF-8E90-41E8-AC31-42D0766748BE}" presName="connectorText" presStyleLbl="sibTrans2D1" presStyleIdx="0" presStyleCnt="2"/>
-      <dgm:spPr/>
-    </dgm:pt>
-    <dgm:pt modelId="{855281F4-88AF-486C-801D-DB4CF2D95676}" type="pres">
-      <dgm:prSet presAssocID="{16BFDA77-EFEA-436C-8719-6392F73CEB4A}" presName="node" presStyleLbl="node1" presStyleIdx="1" presStyleCnt="3">
+    <dgm:pt modelId="{B03FA587-5DB2-4D86-A202-F4C0568BD77A}" type="pres">
+      <dgm:prSet presAssocID="{165A0A50-A03A-4172-991B-C8A70C7542DF}" presName="node" presStyleLbl="node1" presStyleIdx="0" presStyleCnt="3">
         <dgm:presLayoutVars>
           <dgm:bulletEnabled val="1"/>
         </dgm:presLayoutVars>
@@ -1061,42 +1058,100 @@
         </a:p>
       </dgm:t>
     </dgm:pt>
-    <dgm:pt modelId="{12F5F1E6-2CD0-4E43-8E63-6FFFF8C260F0}" type="pres">
-      <dgm:prSet presAssocID="{B84FE729-8D51-4F78-94F3-62E2705BE125}" presName="sibTrans" presStyleLbl="sibTrans2D1" presStyleIdx="1" presStyleCnt="2"/>
+    <dgm:pt modelId="{715FC2F3-EF1C-48E1-B15C-5F02DA789396}" type="pres">
+      <dgm:prSet presAssocID="{921027FA-E673-460D-94D4-D4C33DDCA357}" presName="sibTrans" presStyleLbl="sibTrans2D1" presStyleIdx="0" presStyleCnt="2"/>
       <dgm:spPr/>
+      <dgm:t>
+        <a:bodyPr/>
+        <a:lstStyle/>
+        <a:p>
+          <a:endParaRPr lang="en-US"/>
+        </a:p>
+      </dgm:t>
     </dgm:pt>
-    <dgm:pt modelId="{EF3E8890-7673-4956-BE3D-25D45B8862F9}" type="pres">
-      <dgm:prSet presAssocID="{B84FE729-8D51-4F78-94F3-62E2705BE125}" presName="connectorText" presStyleLbl="sibTrans2D1" presStyleIdx="1" presStyleCnt="2"/>
+    <dgm:pt modelId="{65CF5DF9-A575-4A60-BE84-CC511D2D2B49}" type="pres">
+      <dgm:prSet presAssocID="{921027FA-E673-460D-94D4-D4C33DDCA357}" presName="connectorText" presStyleLbl="sibTrans2D1" presStyleIdx="0" presStyleCnt="2"/>
       <dgm:spPr/>
+      <dgm:t>
+        <a:bodyPr/>
+        <a:lstStyle/>
+        <a:p>
+          <a:endParaRPr lang="en-US"/>
+        </a:p>
+      </dgm:t>
     </dgm:pt>
-    <dgm:pt modelId="{3164D393-A875-46CE-8111-70743ACF17FD}" type="pres">
-      <dgm:prSet presAssocID="{8F0A7BCD-B5E2-4610-80E1-458220CFED90}" presName="node" presStyleLbl="node1" presStyleIdx="2" presStyleCnt="3">
+    <dgm:pt modelId="{51E9A384-1E62-468F-8839-1637235B461A}" type="pres">
+      <dgm:prSet presAssocID="{159AC4FA-8843-4269-9C43-F1ECA66991D0}" presName="node" presStyleLbl="node1" presStyleIdx="1" presStyleCnt="3">
         <dgm:presLayoutVars>
           <dgm:bulletEnabled val="1"/>
         </dgm:presLayoutVars>
       </dgm:prSet>
       <dgm:spPr/>
+      <dgm:t>
+        <a:bodyPr/>
+        <a:lstStyle/>
+        <a:p>
+          <a:endParaRPr lang="en-US"/>
+        </a:p>
+      </dgm:t>
+    </dgm:pt>
+    <dgm:pt modelId="{4D61CDD4-4538-421B-A108-73E3E9197F81}" type="pres">
+      <dgm:prSet presAssocID="{C9A36B28-02F3-402E-8A4D-D3DEF1A78F38}" presName="sibTrans" presStyleLbl="sibTrans2D1" presStyleIdx="1" presStyleCnt="2"/>
+      <dgm:spPr/>
+      <dgm:t>
+        <a:bodyPr/>
+        <a:lstStyle/>
+        <a:p>
+          <a:endParaRPr lang="en-US"/>
+        </a:p>
+      </dgm:t>
+    </dgm:pt>
+    <dgm:pt modelId="{13ABD679-E949-4D84-A6BC-DD2A66A3BD77}" type="pres">
+      <dgm:prSet presAssocID="{C9A36B28-02F3-402E-8A4D-D3DEF1A78F38}" presName="connectorText" presStyleLbl="sibTrans2D1" presStyleIdx="1" presStyleCnt="2"/>
+      <dgm:spPr/>
+      <dgm:t>
+        <a:bodyPr/>
+        <a:lstStyle/>
+        <a:p>
+          <a:endParaRPr lang="en-US"/>
+        </a:p>
+      </dgm:t>
+    </dgm:pt>
+    <dgm:pt modelId="{7D4349A3-2F0A-482C-B95C-36C563CA1EAF}" type="pres">
+      <dgm:prSet presAssocID="{FB11CADB-BA9B-47CC-9F5F-BBB50BEB1350}" presName="node" presStyleLbl="node1" presStyleIdx="2" presStyleCnt="3">
+        <dgm:presLayoutVars>
+          <dgm:bulletEnabled val="1"/>
+        </dgm:presLayoutVars>
+      </dgm:prSet>
+      <dgm:spPr/>
+      <dgm:t>
+        <a:bodyPr/>
+        <a:lstStyle/>
+        <a:p>
+          <a:endParaRPr lang="en-US"/>
+        </a:p>
+      </dgm:t>
     </dgm:pt>
   </dgm:ptLst>
   <dgm:cxnLst>
-    <dgm:cxn modelId="{21C80FFE-2384-4693-8A65-D7787805D8B4}" type="presOf" srcId="{16BFDA77-EFEA-436C-8719-6392F73CEB4A}" destId="{855281F4-88AF-486C-801D-DB4CF2D95676}" srcOrd="0" destOrd="0" presId="urn:microsoft.com/office/officeart/2005/8/layout/process1"/>
-    <dgm:cxn modelId="{90339216-3EEB-4826-910D-96F1CED7F24E}" type="presOf" srcId="{6598FDF8-F2B9-4176-AD70-619AB87D4C0E}" destId="{9C5D0837-88B1-48D2-AC56-62420D99FBE8}" srcOrd="0" destOrd="0" presId="urn:microsoft.com/office/officeart/2005/8/layout/process1"/>
-    <dgm:cxn modelId="{EF5A09D1-5303-407A-B14C-09BB54D23325}" type="presOf" srcId="{2B2EC2BF-8E90-41E8-AC31-42D0766748BE}" destId="{5117C7E7-6C32-4F36-BDB8-65CF4B507A8F}" srcOrd="0" destOrd="0" presId="urn:microsoft.com/office/officeart/2005/8/layout/process1"/>
-    <dgm:cxn modelId="{C88DF86D-D909-41ED-B67A-61EDF7CBCAD2}" srcId="{13B20352-5F43-4263-9F38-0C43DB127E66}" destId="{8F0A7BCD-B5E2-4610-80E1-458220CFED90}" srcOrd="2" destOrd="0" parTransId="{36D8B28F-6A15-4C23-A034-702F7A840CEB}" sibTransId="{805DD67F-F222-4251-9E98-43416C49D491}"/>
-    <dgm:cxn modelId="{501B02C1-7D05-4B2C-A9EE-61A0733C8687}" srcId="{13B20352-5F43-4263-9F38-0C43DB127E66}" destId="{6598FDF8-F2B9-4176-AD70-619AB87D4C0E}" srcOrd="0" destOrd="0" parTransId="{E8DC19C3-FDB4-4348-8A5C-EAE833FE09F7}" sibTransId="{2B2EC2BF-8E90-41E8-AC31-42D0766748BE}"/>
-    <dgm:cxn modelId="{75D87C75-A123-4AED-A1B4-462E8CF5137B}" type="presOf" srcId="{B84FE729-8D51-4F78-94F3-62E2705BE125}" destId="{EF3E8890-7673-4956-BE3D-25D45B8862F9}" srcOrd="1" destOrd="0" presId="urn:microsoft.com/office/officeart/2005/8/layout/process1"/>
-    <dgm:cxn modelId="{E24274FD-1565-4920-A524-68C39241B49A}" srcId="{13B20352-5F43-4263-9F38-0C43DB127E66}" destId="{16BFDA77-EFEA-436C-8719-6392F73CEB4A}" srcOrd="1" destOrd="0" parTransId="{275E29B3-DF60-46BA-B81C-66F2A52E5774}" sibTransId="{B84FE729-8D51-4F78-94F3-62E2705BE125}"/>
-    <dgm:cxn modelId="{D72C8A3F-F7D4-46FB-8270-B8CAC6D1D51E}" type="presOf" srcId="{8F0A7BCD-B5E2-4610-80E1-458220CFED90}" destId="{3164D393-A875-46CE-8111-70743ACF17FD}" srcOrd="0" destOrd="0" presId="urn:microsoft.com/office/officeart/2005/8/layout/process1"/>
-    <dgm:cxn modelId="{FEB9F883-9A68-4DEB-9B0D-51965578A65B}" type="presOf" srcId="{B84FE729-8D51-4F78-94F3-62E2705BE125}" destId="{12F5F1E6-2CD0-4E43-8E63-6FFFF8C260F0}" srcOrd="0" destOrd="0" presId="urn:microsoft.com/office/officeart/2005/8/layout/process1"/>
-    <dgm:cxn modelId="{DCB38D03-C2E3-4C37-B421-2B5E718FDA4F}" type="presOf" srcId="{13B20352-5F43-4263-9F38-0C43DB127E66}" destId="{A57C9994-155C-4909-9F57-6DCBF14EFFE1}" srcOrd="0" destOrd="0" presId="urn:microsoft.com/office/officeart/2005/8/layout/process1"/>
-    <dgm:cxn modelId="{63C5D28F-FED6-4116-AEEB-536DA92E291A}" type="presOf" srcId="{2B2EC2BF-8E90-41E8-AC31-42D0766748BE}" destId="{5888185A-8F2B-415E-A391-9AA98D967D31}" srcOrd="1" destOrd="0" presId="urn:microsoft.com/office/officeart/2005/8/layout/process1"/>
-    <dgm:cxn modelId="{5C658E9C-D50A-4522-9351-5C498DD0E827}" type="presParOf" srcId="{A57C9994-155C-4909-9F57-6DCBF14EFFE1}" destId="{9C5D0837-88B1-48D2-AC56-62420D99FBE8}" srcOrd="0" destOrd="0" presId="urn:microsoft.com/office/officeart/2005/8/layout/process1"/>
-    <dgm:cxn modelId="{154F50E8-CEB7-45F7-A05A-9FF46C088629}" type="presParOf" srcId="{A57C9994-155C-4909-9F57-6DCBF14EFFE1}" destId="{5117C7E7-6C32-4F36-BDB8-65CF4B507A8F}" srcOrd="1" destOrd="0" presId="urn:microsoft.com/office/officeart/2005/8/layout/process1"/>
-    <dgm:cxn modelId="{D24C2CFB-B0E7-466F-AE0C-DB76ECAB8AAE}" type="presParOf" srcId="{5117C7E7-6C32-4F36-BDB8-65CF4B507A8F}" destId="{5888185A-8F2B-415E-A391-9AA98D967D31}" srcOrd="0" destOrd="0" presId="urn:microsoft.com/office/officeart/2005/8/layout/process1"/>
-    <dgm:cxn modelId="{6A6EF52D-0A61-4057-87BF-58FBF5CA1328}" type="presParOf" srcId="{A57C9994-155C-4909-9F57-6DCBF14EFFE1}" destId="{855281F4-88AF-486C-801D-DB4CF2D95676}" srcOrd="2" destOrd="0" presId="urn:microsoft.com/office/officeart/2005/8/layout/process1"/>
-    <dgm:cxn modelId="{B85179C7-F861-44CA-99B0-73AD8CF91300}" type="presParOf" srcId="{A57C9994-155C-4909-9F57-6DCBF14EFFE1}" destId="{12F5F1E6-2CD0-4E43-8E63-6FFFF8C260F0}" srcOrd="3" destOrd="0" presId="urn:microsoft.com/office/officeart/2005/8/layout/process1"/>
-    <dgm:cxn modelId="{6F68984D-259F-45E2-BE6A-06CA7E10C9DC}" type="presParOf" srcId="{12F5F1E6-2CD0-4E43-8E63-6FFFF8C260F0}" destId="{EF3E8890-7673-4956-BE3D-25D45B8862F9}" srcOrd="0" destOrd="0" presId="urn:microsoft.com/office/officeart/2005/8/layout/process1"/>
-    <dgm:cxn modelId="{3D5FFB50-BCB4-470D-9ED7-34BA21FFF3B3}" type="presParOf" srcId="{A57C9994-155C-4909-9F57-6DCBF14EFFE1}" destId="{3164D393-A875-46CE-8111-70743ACF17FD}" srcOrd="4" destOrd="0" presId="urn:microsoft.com/office/officeart/2005/8/layout/process1"/>
+    <dgm:cxn modelId="{47FAE399-B76C-4072-83AE-160A6D1BDDFD}" type="presOf" srcId="{165A0A50-A03A-4172-991B-C8A70C7542DF}" destId="{B03FA587-5DB2-4D86-A202-F4C0568BD77A}" srcOrd="0" destOrd="0" presId="urn:microsoft.com/office/officeart/2005/8/layout/process2"/>
+    <dgm:cxn modelId="{11EBDC1E-FAFF-4839-B6D2-20F8A8F24C50}" type="presOf" srcId="{159AC4FA-8843-4269-9C43-F1ECA66991D0}" destId="{51E9A384-1E62-468F-8839-1637235B461A}" srcOrd="0" destOrd="0" presId="urn:microsoft.com/office/officeart/2005/8/layout/process2"/>
+    <dgm:cxn modelId="{8EF28BC4-E59B-4C73-8CCE-F12C789F6870}" type="presOf" srcId="{FB11CADB-BA9B-47CC-9F5F-BBB50BEB1350}" destId="{7D4349A3-2F0A-482C-B95C-36C563CA1EAF}" srcOrd="0" destOrd="0" presId="urn:microsoft.com/office/officeart/2005/8/layout/process2"/>
+    <dgm:cxn modelId="{C3D54CDF-14E4-423F-AB6E-8C7772C12E69}" type="presOf" srcId="{C9A36B28-02F3-402E-8A4D-D3DEF1A78F38}" destId="{13ABD679-E949-4D84-A6BC-DD2A66A3BD77}" srcOrd="1" destOrd="0" presId="urn:microsoft.com/office/officeart/2005/8/layout/process2"/>
+    <dgm:cxn modelId="{94D70CE9-C3E3-4A9C-86F9-9D995369048F}" type="presOf" srcId="{921027FA-E673-460D-94D4-D4C33DDCA357}" destId="{65CF5DF9-A575-4A60-BE84-CC511D2D2B49}" srcOrd="1" destOrd="0" presId="urn:microsoft.com/office/officeart/2005/8/layout/process2"/>
+    <dgm:cxn modelId="{447DFC87-216C-4536-B010-5F64C0E0FCDA}" type="presOf" srcId="{12539BE7-0782-474D-9B84-87E38946A2A5}" destId="{EFFF3CAD-8901-4423-9C91-1FC64B799597}" srcOrd="0" destOrd="0" presId="urn:microsoft.com/office/officeart/2005/8/layout/process2"/>
+    <dgm:cxn modelId="{E21F407A-8B82-419D-A979-E671DC2744EE}" srcId="{12539BE7-0782-474D-9B84-87E38946A2A5}" destId="{FB11CADB-BA9B-47CC-9F5F-BBB50BEB1350}" srcOrd="2" destOrd="0" parTransId="{CC3E26A5-06E7-44D3-ACF4-8046BCB8F880}" sibTransId="{9A37B940-A608-4440-87CA-80004935EF14}"/>
+    <dgm:cxn modelId="{9E853A96-6E43-4530-9466-58EBBCC5917C}" type="presOf" srcId="{921027FA-E673-460D-94D4-D4C33DDCA357}" destId="{715FC2F3-EF1C-48E1-B15C-5F02DA789396}" srcOrd="0" destOrd="0" presId="urn:microsoft.com/office/officeart/2005/8/layout/process2"/>
+    <dgm:cxn modelId="{CF46E3E7-6E47-494B-96A8-0152C5EA4E0A}" srcId="{12539BE7-0782-474D-9B84-87E38946A2A5}" destId="{159AC4FA-8843-4269-9C43-F1ECA66991D0}" srcOrd="1" destOrd="0" parTransId="{12395B2D-8720-4D5A-B900-477638FA7EBD}" sibTransId="{C9A36B28-02F3-402E-8A4D-D3DEF1A78F38}"/>
+    <dgm:cxn modelId="{C5B3BFA3-0C02-4E76-9177-DEE71660501A}" type="presOf" srcId="{C9A36B28-02F3-402E-8A4D-D3DEF1A78F38}" destId="{4D61CDD4-4538-421B-A108-73E3E9197F81}" srcOrd="0" destOrd="0" presId="urn:microsoft.com/office/officeart/2005/8/layout/process2"/>
+    <dgm:cxn modelId="{340E9408-FF34-4E8E-BDA3-7505278D5FCB}" srcId="{12539BE7-0782-474D-9B84-87E38946A2A5}" destId="{165A0A50-A03A-4172-991B-C8A70C7542DF}" srcOrd="0" destOrd="0" parTransId="{72AC7DCC-23BA-41BD-AD53-BF4A8A088C84}" sibTransId="{921027FA-E673-460D-94D4-D4C33DDCA357}"/>
+    <dgm:cxn modelId="{92DD5A53-9973-46E4-B924-6FB5A4F6B6B0}" type="presParOf" srcId="{EFFF3CAD-8901-4423-9C91-1FC64B799597}" destId="{B03FA587-5DB2-4D86-A202-F4C0568BD77A}" srcOrd="0" destOrd="0" presId="urn:microsoft.com/office/officeart/2005/8/layout/process2"/>
+    <dgm:cxn modelId="{A85CC066-AE92-4D3C-A3C4-9B2876B266DE}" type="presParOf" srcId="{EFFF3CAD-8901-4423-9C91-1FC64B799597}" destId="{715FC2F3-EF1C-48E1-B15C-5F02DA789396}" srcOrd="1" destOrd="0" presId="urn:microsoft.com/office/officeart/2005/8/layout/process2"/>
+    <dgm:cxn modelId="{95439ED2-BF3C-4CE1-ADD0-A1A7DCC9C83E}" type="presParOf" srcId="{715FC2F3-EF1C-48E1-B15C-5F02DA789396}" destId="{65CF5DF9-A575-4A60-BE84-CC511D2D2B49}" srcOrd="0" destOrd="0" presId="urn:microsoft.com/office/officeart/2005/8/layout/process2"/>
+    <dgm:cxn modelId="{0DA554AB-DDBD-4DA0-883F-1F822E68E08A}" type="presParOf" srcId="{EFFF3CAD-8901-4423-9C91-1FC64B799597}" destId="{51E9A384-1E62-468F-8839-1637235B461A}" srcOrd="2" destOrd="0" presId="urn:microsoft.com/office/officeart/2005/8/layout/process2"/>
+    <dgm:cxn modelId="{B643F1B8-4ECD-4FE9-BE78-D9A46A17E159}" type="presParOf" srcId="{EFFF3CAD-8901-4423-9C91-1FC64B799597}" destId="{4D61CDD4-4538-421B-A108-73E3E9197F81}" srcOrd="3" destOrd="0" presId="urn:microsoft.com/office/officeart/2005/8/layout/process2"/>
+    <dgm:cxn modelId="{F6CD73C1-D1C0-4C1B-8AFD-3AD2DFA83520}" type="presParOf" srcId="{4D61CDD4-4538-421B-A108-73E3E9197F81}" destId="{13ABD679-E949-4D84-A6BC-DD2A66A3BD77}" srcOrd="0" destOrd="0" presId="urn:microsoft.com/office/officeart/2005/8/layout/process2"/>
+    <dgm:cxn modelId="{3F97016D-7C23-4476-A3BC-8B5AE29B9351}" type="presParOf" srcId="{EFFF3CAD-8901-4423-9C91-1FC64B799597}" destId="{7D4349A3-2F0A-482C-B95C-36C563CA1EAF}" srcOrd="4" destOrd="0" presId="urn:microsoft.com/office/officeart/2005/8/layout/process2"/>
   </dgm:cxnLst>
   <dgm:bg/>
   <dgm:whole/>
@@ -1116,15 +1171,15 @@
       <dsp:cNvGrpSpPr/>
     </dsp:nvGrpSpPr>
     <dsp:grpSpPr/>
-    <dsp:sp modelId="{9C5D0837-88B1-48D2-AC56-62420D99FBE8}">
+    <dsp:sp modelId="{B03FA587-5DB2-4D86-A202-F4C0568BD77A}">
       <dsp:nvSpPr>
         <dsp:cNvPr id="0" name=""/>
         <dsp:cNvSpPr/>
       </dsp:nvSpPr>
       <dsp:spPr>
         <a:xfrm>
-          <a:off x="16757" y="2150282"/>
-          <a:ext cx="5008515" cy="3005109"/>
+          <a:off x="95663" y="0"/>
+          <a:ext cx="5671309" cy="3150727"/>
         </a:xfrm>
         <a:prstGeom prst="roundRect">
           <a:avLst>
@@ -1167,12 +1222,12 @@
         </a:fontRef>
       </dsp:style>
       <dsp:txBody>
-        <a:bodyPr spcFirstLastPara="0" vert="horz" wrap="square" lIns="217170" tIns="217170" rIns="217170" bIns="217170" numCol="1" spcCol="1270" anchor="ctr" anchorCtr="0">
+        <a:bodyPr spcFirstLastPara="0" vert="horz" wrap="square" lIns="224790" tIns="224790" rIns="224790" bIns="224790" numCol="1" spcCol="1270" anchor="ctr" anchorCtr="0">
           <a:noAutofit/>
         </a:bodyPr>
         <a:lstStyle/>
         <a:p>
-          <a:pPr lvl="0" algn="ctr" defTabSz="2533650">
+          <a:pPr lvl="0" algn="ctr" defTabSz="2622550">
             <a:lnSpc>
               <a:spcPct val="90000"/>
             </a:lnSpc>
@@ -1184,26 +1239,26 @@
             </a:spcAft>
           </a:pPr>
           <a:r>
-            <a:rPr lang="en-US" sz="5700" kern="1200" dirty="0" smtClean="0"/>
+            <a:rPr lang="en-US" sz="5900" kern="1200" dirty="0" smtClean="0"/>
             <a:t>Preprocessing</a:t>
           </a:r>
-          <a:endParaRPr lang="en-US" sz="5700" kern="1200" dirty="0"/>
+          <a:endParaRPr lang="en-US" sz="5900" kern="1200" dirty="0"/>
         </a:p>
       </dsp:txBody>
       <dsp:txXfrm>
-        <a:off x="104774" y="2238299"/>
-        <a:ext cx="4832481" cy="2829075"/>
+        <a:off x="187945" y="92282"/>
+        <a:ext cx="5486745" cy="2966163"/>
       </dsp:txXfrm>
     </dsp:sp>
-    <dsp:sp modelId="{5117C7E7-6C32-4F36-BDB8-65CF4B507A8F}">
+    <dsp:sp modelId="{715FC2F3-EF1C-48E1-B15C-5F02DA789396}">
       <dsp:nvSpPr>
         <dsp:cNvPr id="0" name=""/>
         <dsp:cNvSpPr/>
       </dsp:nvSpPr>
       <dsp:spPr>
-        <a:xfrm>
-          <a:off x="5526124" y="3031781"/>
-          <a:ext cx="1061805" cy="1242111"/>
+        <a:xfrm rot="5400000">
+          <a:off x="2340556" y="3229495"/>
+          <a:ext cx="1181522" cy="1417827"/>
         </a:xfrm>
         <a:prstGeom prst="rightArrow">
           <a:avLst>
@@ -1245,7 +1300,7 @@
         </a:bodyPr>
         <a:lstStyle/>
         <a:p>
-          <a:pPr lvl="0" algn="ctr" defTabSz="2044700">
+          <a:pPr lvl="0" algn="ctr" defTabSz="2089150">
             <a:lnSpc>
               <a:spcPct val="90000"/>
             </a:lnSpc>
@@ -1256,23 +1311,23 @@
               <a:spcPct val="35000"/>
             </a:spcAft>
           </a:pPr>
-          <a:endParaRPr lang="en-US" sz="4600" kern="1200"/>
+          <a:endParaRPr lang="en-US" sz="4700" kern="1200"/>
         </a:p>
       </dsp:txBody>
-      <dsp:txXfrm>
-        <a:off x="5526124" y="3280203"/>
-        <a:ext cx="743264" cy="745267"/>
+      <dsp:txXfrm rot="-5400000">
+        <a:off x="2505969" y="3347648"/>
+        <a:ext cx="850697" cy="827065"/>
       </dsp:txXfrm>
     </dsp:sp>
-    <dsp:sp modelId="{855281F4-88AF-486C-801D-DB4CF2D95676}">
+    <dsp:sp modelId="{51E9A384-1E62-468F-8839-1637235B461A}">
       <dsp:nvSpPr>
         <dsp:cNvPr id="0" name=""/>
         <dsp:cNvSpPr/>
       </dsp:nvSpPr>
       <dsp:spPr>
         <a:xfrm>
-          <a:off x="7028679" y="2150282"/>
-          <a:ext cx="5008515" cy="3005109"/>
+          <a:off x="95663" y="4726091"/>
+          <a:ext cx="5671309" cy="3150727"/>
         </a:xfrm>
         <a:prstGeom prst="roundRect">
           <a:avLst>
@@ -1315,12 +1370,12 @@
         </a:fontRef>
       </dsp:style>
       <dsp:txBody>
-        <a:bodyPr spcFirstLastPara="0" vert="horz" wrap="square" lIns="217170" tIns="217170" rIns="217170" bIns="217170" numCol="1" spcCol="1270" anchor="ctr" anchorCtr="0">
+        <a:bodyPr spcFirstLastPara="0" vert="horz" wrap="square" lIns="224790" tIns="224790" rIns="224790" bIns="224790" numCol="1" spcCol="1270" anchor="ctr" anchorCtr="0">
           <a:noAutofit/>
         </a:bodyPr>
         <a:lstStyle/>
         <a:p>
-          <a:pPr lvl="0" algn="ctr" defTabSz="2533650">
+          <a:pPr lvl="0" algn="ctr" defTabSz="2622550">
             <a:lnSpc>
               <a:spcPct val="90000"/>
             </a:lnSpc>
@@ -1332,26 +1387,26 @@
             </a:spcAft>
           </a:pPr>
           <a:r>
-            <a:rPr lang="en-US" sz="5700" kern="1200" dirty="0" smtClean="0"/>
-            <a:t>Maximal White Rectangles</a:t>
+            <a:rPr lang="en-US" sz="5900" kern="1200" dirty="0" smtClean="0"/>
+            <a:t>Find Maximal White Rectangles</a:t>
           </a:r>
-          <a:endParaRPr lang="en-US" sz="5700" kern="1200" dirty="0"/>
+          <a:endParaRPr lang="en-US" sz="5900" kern="1200" dirty="0"/>
         </a:p>
       </dsp:txBody>
       <dsp:txXfrm>
-        <a:off x="7116696" y="2238299"/>
-        <a:ext cx="4832481" cy="2829075"/>
+        <a:off x="187945" y="4818373"/>
+        <a:ext cx="5486745" cy="2966163"/>
       </dsp:txXfrm>
     </dsp:sp>
-    <dsp:sp modelId="{12F5F1E6-2CD0-4E43-8E63-6FFFF8C260F0}">
+    <dsp:sp modelId="{4D61CDD4-4538-421B-A108-73E3E9197F81}">
       <dsp:nvSpPr>
         <dsp:cNvPr id="0" name=""/>
         <dsp:cNvSpPr/>
       </dsp:nvSpPr>
       <dsp:spPr>
-        <a:xfrm>
-          <a:off x="12538046" y="3031781"/>
-          <a:ext cx="1061805" cy="1242111"/>
+        <a:xfrm rot="5400000">
+          <a:off x="2340556" y="7955587"/>
+          <a:ext cx="1181522" cy="1417827"/>
         </a:xfrm>
         <a:prstGeom prst="rightArrow">
           <a:avLst>
@@ -1393,7 +1448,7 @@
         </a:bodyPr>
         <a:lstStyle/>
         <a:p>
-          <a:pPr lvl="0" algn="ctr" defTabSz="2044700">
+          <a:pPr lvl="0" algn="ctr" defTabSz="2089150">
             <a:lnSpc>
               <a:spcPct val="90000"/>
             </a:lnSpc>
@@ -1404,23 +1459,23 @@
               <a:spcPct val="35000"/>
             </a:spcAft>
           </a:pPr>
-          <a:endParaRPr lang="en-US" sz="4600" kern="1200"/>
+          <a:endParaRPr lang="en-US" sz="4700" kern="1200"/>
         </a:p>
       </dsp:txBody>
-      <dsp:txXfrm>
-        <a:off x="12538046" y="3280203"/>
-        <a:ext cx="743264" cy="745267"/>
+      <dsp:txXfrm rot="-5400000">
+        <a:off x="2505969" y="8073740"/>
+        <a:ext cx="850697" cy="827065"/>
       </dsp:txXfrm>
     </dsp:sp>
-    <dsp:sp modelId="{3164D393-A875-46CE-8111-70743ACF17FD}">
+    <dsp:sp modelId="{7D4349A3-2F0A-482C-B95C-36C563CA1EAF}">
       <dsp:nvSpPr>
         <dsp:cNvPr id="0" name=""/>
         <dsp:cNvSpPr/>
       </dsp:nvSpPr>
       <dsp:spPr>
         <a:xfrm>
-          <a:off x="14040601" y="2150282"/>
-          <a:ext cx="5008515" cy="3005109"/>
+          <a:off x="95663" y="9452183"/>
+          <a:ext cx="5671309" cy="3150727"/>
         </a:xfrm>
         <a:prstGeom prst="roundRect">
           <a:avLst>
@@ -1463,12 +1518,12 @@
         </a:fontRef>
       </dsp:style>
       <dsp:txBody>
-        <a:bodyPr spcFirstLastPara="0" vert="horz" wrap="square" lIns="217170" tIns="217170" rIns="217170" bIns="217170" numCol="1" spcCol="1270" anchor="ctr" anchorCtr="0">
+        <a:bodyPr spcFirstLastPara="0" vert="horz" wrap="square" lIns="224790" tIns="224790" rIns="224790" bIns="224790" numCol="1" spcCol="1270" anchor="ctr" anchorCtr="0">
           <a:noAutofit/>
         </a:bodyPr>
         <a:lstStyle/>
         <a:p>
-          <a:pPr lvl="0" algn="ctr" defTabSz="2533650">
+          <a:pPr lvl="0" algn="ctr" defTabSz="2622550">
             <a:lnSpc>
               <a:spcPct val="90000"/>
             </a:lnSpc>
@@ -1480,15 +1535,15 @@
             </a:spcAft>
           </a:pPr>
           <a:r>
-            <a:rPr lang="en-US" sz="5700" kern="1200" dirty="0" smtClean="0"/>
-            <a:t>Classification</a:t>
+            <a:rPr lang="en-US" sz="5900" kern="1200" dirty="0" smtClean="0"/>
+            <a:t>Classify Regions</a:t>
           </a:r>
-          <a:endParaRPr lang="en-US" sz="5700" kern="1200" dirty="0"/>
+          <a:endParaRPr lang="en-US" sz="5900" kern="1200" dirty="0"/>
         </a:p>
       </dsp:txBody>
       <dsp:txXfrm>
-        <a:off x="14128618" y="2238299"/>
-        <a:ext cx="4832481" cy="2829075"/>
+        <a:off x="187945" y="9544465"/>
+        <a:ext cx="5486745" cy="2966163"/>
       </dsp:txXfrm>
     </dsp:sp>
   </dsp:spTree>
@@ -1496,12 +1551,11 @@
 </file>
 
 <file path=ppt/diagrams/layout1.xml><?xml version="1.0" encoding="utf-8"?>
-<dgm:layoutDef xmlns:dgm="http://schemas.openxmlformats.org/drawingml/2006/diagram" xmlns:a="http://schemas.openxmlformats.org/drawingml/2006/main" uniqueId="urn:microsoft.com/office/officeart/2005/8/layout/process1">
+<dgm:layoutDef xmlns:dgm="http://schemas.openxmlformats.org/drawingml/2006/diagram" xmlns:a="http://schemas.openxmlformats.org/drawingml/2006/main" uniqueId="urn:microsoft.com/office/officeart/2005/8/layout/process2">
   <dgm:title val=""/>
   <dgm:desc val=""/>
   <dgm:catLst>
-    <dgm:cat type="process" pri="1000"/>
-    <dgm:cat type="convert" pri="15000"/>
+    <dgm:cat type="process" pri="13000"/>
   </dgm:catLst>
   <dgm:sampData useDef="1">
     <dgm:dataModel>
@@ -1544,31 +1598,22 @@
       <dgm:whole/>
     </dgm:dataModel>
   </dgm:clrData>
-  <dgm:layoutNode name="Name0">
+  <dgm:layoutNode name="linearFlow">
     <dgm:varLst>
-      <dgm:dir/>
       <dgm:resizeHandles val="exact"/>
     </dgm:varLst>
-    <dgm:choose name="Name1">
-      <dgm:if name="Name2" func="var" arg="dir" op="equ" val="norm">
-        <dgm:alg type="lin"/>
-      </dgm:if>
-      <dgm:else name="Name3">
-        <dgm:alg type="lin">
-          <dgm:param type="linDir" val="fromR"/>
-        </dgm:alg>
-      </dgm:else>
-    </dgm:choose>
+    <dgm:alg type="lin">
+      <dgm:param type="linDir" val="fromT"/>
+    </dgm:alg>
     <dgm:shape xmlns:r="http://schemas.openxmlformats.org/officeDocument/2006/relationships" r:blip="">
       <dgm:adjLst/>
     </dgm:shape>
     <dgm:presOf/>
     <dgm:constrLst>
-      <dgm:constr type="w" for="ch" ptType="node" refType="w"/>
-      <dgm:constr type="h" for="ch" ptType="node" op="equ"/>
+      <dgm:constr type="h" for="ch" ptType="node" refType="h"/>
+      <dgm:constr type="h" for="ch" ptType="sibTrans" refType="h" refFor="ch" refPtType="node" fact="0.5"/>
+      <dgm:constr type="w" for="ch" ptType="node" op="equ"/>
       <dgm:constr type="primFontSz" for="ch" ptType="node" op="equ" val="65"/>
-      <dgm:constr type="w" for="ch" ptType="sibTrans" refType="w" refFor="ch" refPtType="node" op="equ" fact="0.4"/>
-      <dgm:constr type="h" for="ch" ptType="sibTrans" op="equ"/>
       <dgm:constr type="primFontSz" for="des" forName="connectorText" op="equ" val="55"/>
       <dgm:constr type="primFontSz" for="des" forName="connectorText" refType="primFontSz" refFor="ch" refPtType="node" op="lte" fact="0.8"/>
     </dgm:constrLst>
@@ -1578,7 +1623,18 @@
         <dgm:varLst>
           <dgm:bulletEnabled val="1"/>
         </dgm:varLst>
-        <dgm:alg type="tx"/>
+        <dgm:choose name="Name0">
+          <dgm:if name="Name1" axis="root des" ptType="all node" func="maxDepth" op="gt" val="1">
+            <dgm:alg type="tx">
+              <dgm:param type="parTxLTRAlign" val="l"/>
+              <dgm:param type="parTxRTLAlign" val="r"/>
+              <dgm:param type="txAnchorVertCh" val="mid"/>
+            </dgm:alg>
+          </dgm:if>
+          <dgm:else name="Name2">
+            <dgm:alg type="tx"/>
+          </dgm:else>
+        </dgm:choose>
         <dgm:shape xmlns:r="http://schemas.openxmlformats.org/officeDocument/2006/relationships" type="roundRect" r:blip="">
           <dgm:adjLst>
             <dgm:adj idx="1" val="0.1"/>
@@ -1586,7 +1642,7 @@
         </dgm:shape>
         <dgm:presOf axis="desOrSelf" ptType="node"/>
         <dgm:constrLst>
-          <dgm:constr type="h" refType="w" fact="0.6"/>
+          <dgm:constr type="w" refType="h" fact="1.8"/>
           <dgm:constr type="tMarg" refType="primFontSz" fact="0.3"/>
           <dgm:constr type="bMarg" refType="primFontSz" fact="0.3"/>
           <dgm:constr type="lMarg" refType="primFontSz" fact="0.3"/>
@@ -1594,9 +1650,8 @@
         </dgm:constrLst>
         <dgm:ruleLst>
           <dgm:rule type="primFontSz" val="18" fact="NaN" max="NaN"/>
-          <dgm:rule type="h" val="NaN" fact="1.5" max="NaN"/>
+          <dgm:rule type="w" val="NaN" fact="4" max="NaN"/>
           <dgm:rule type="primFontSz" val="5" fact="NaN" max="NaN"/>
-          <dgm:rule type="h" val="INF" fact="NaN" max="NaN"/>
         </dgm:ruleLst>
       </dgm:layoutNode>
       <dgm:forEach name="sibTransForEach" axis="followSib" ptType="sibTrans" cnt="1">
@@ -1610,15 +1665,18 @@
           </dgm:shape>
           <dgm:presOf axis="self"/>
           <dgm:constrLst>
-            <dgm:constr type="h" refType="w" fact="0.62"/>
+            <dgm:constr type="w" refType="h" fact="0.9"/>
             <dgm:constr type="connDist"/>
-            <dgm:constr type="begPad" refType="connDist" fact="0.25"/>
-            <dgm:constr type="endPad" refType="connDist" fact="0.22"/>
+            <dgm:constr type="wArH" refType="w" fact="0.5"/>
+            <dgm:constr type="hArH" refType="w"/>
+            <dgm:constr type="stemThick" refType="w" fact="0.6"/>
+            <dgm:constr type="begPad" refType="connDist" fact="0.125"/>
+            <dgm:constr type="endPad" refType="connDist" fact="0.125"/>
           </dgm:constrLst>
           <dgm:ruleLst/>
           <dgm:layoutNode name="connectorText">
             <dgm:alg type="tx">
-              <dgm:param type="autoTxRot" val="grav"/>
+              <dgm:param type="autoTxRot" val="upr"/>
             </dgm:alg>
             <dgm:shape xmlns:r="http://schemas.openxmlformats.org/officeDocument/2006/relationships" type="conn" r:blip="" hideGeom="1">
               <dgm:adjLst/>
@@ -2781,7 +2839,7 @@
               <a:pPr>
                 <a:defRPr/>
               </a:pPr>
-              <a:t>2015/5/30</a:t>
+              <a:t>2015/5/31</a:t>
             </a:fld>
             <a:endParaRPr lang="zh-TW" altLang="en-US"/>
           </a:p>
@@ -3554,7 +3612,7 @@
               <a:pPr>
                 <a:defRPr/>
               </a:pPr>
-              <a:t>2015/5/30</a:t>
+              <a:t>2015/5/31</a:t>
             </a:fld>
             <a:endParaRPr lang="zh-TW" altLang="en-US"/>
           </a:p>
@@ -3746,7 +3804,7 @@
               <a:pPr>
                 <a:defRPr/>
               </a:pPr>
-              <a:t>2015/5/30</a:t>
+              <a:t>2015/5/31</a:t>
             </a:fld>
             <a:endParaRPr lang="zh-TW" altLang="en-US"/>
           </a:p>
@@ -3948,7 +4006,7 @@
               <a:pPr>
                 <a:defRPr/>
               </a:pPr>
-              <a:t>2015/5/30</a:t>
+              <a:t>2015/5/31</a:t>
             </a:fld>
             <a:endParaRPr lang="zh-TW" altLang="en-US"/>
           </a:p>
@@ -4140,7 +4198,7 @@
               <a:pPr>
                 <a:defRPr/>
               </a:pPr>
-              <a:t>2015/5/30</a:t>
+              <a:t>2015/5/31</a:t>
             </a:fld>
             <a:endParaRPr lang="zh-TW" altLang="en-US"/>
           </a:p>
@@ -4408,7 +4466,7 @@
               <a:pPr>
                 <a:defRPr/>
               </a:pPr>
-              <a:t>2015/5/30</a:t>
+              <a:t>2015/5/31</a:t>
             </a:fld>
             <a:endParaRPr lang="zh-TW" altLang="en-US"/>
           </a:p>
@@ -4718,7 +4776,7 @@
               <a:pPr>
                 <a:defRPr/>
               </a:pPr>
-              <a:t>2015/5/30</a:t>
+              <a:t>2015/5/31</a:t>
             </a:fld>
             <a:endParaRPr lang="zh-TW" altLang="en-US"/>
           </a:p>
@@ -5162,7 +5220,7 @@
               <a:pPr>
                 <a:defRPr/>
               </a:pPr>
-              <a:t>2015/5/30</a:t>
+              <a:t>2015/5/31</a:t>
             </a:fld>
             <a:endParaRPr lang="zh-TW" altLang="en-US"/>
           </a:p>
@@ -5302,7 +5360,7 @@
               <a:pPr>
                 <a:defRPr/>
               </a:pPr>
-              <a:t>2015/5/30</a:t>
+              <a:t>2015/5/31</a:t>
             </a:fld>
             <a:endParaRPr lang="zh-TW" altLang="en-US"/>
           </a:p>
@@ -5419,7 +5477,7 @@
               <a:pPr>
                 <a:defRPr/>
               </a:pPr>
-              <a:t>2015/5/30</a:t>
+              <a:t>2015/5/31</a:t>
             </a:fld>
             <a:endParaRPr lang="zh-TW" altLang="en-US"/>
           </a:p>
@@ -5718,7 +5776,7 @@
               <a:pPr>
                 <a:defRPr/>
               </a:pPr>
-              <a:t>2015/5/30</a:t>
+              <a:t>2015/5/31</a:t>
             </a:fld>
             <a:endParaRPr lang="zh-TW" altLang="en-US"/>
           </a:p>
@@ -5996,7 +6054,7 @@
               <a:pPr>
                 <a:defRPr/>
               </a:pPr>
-              <a:t>2015/5/30</a:t>
+              <a:t>2015/5/31</a:t>
             </a:fld>
             <a:endParaRPr lang="zh-TW" altLang="en-US"/>
           </a:p>
@@ -6284,7 +6342,7 @@
               <a:pPr>
                 <a:defRPr/>
               </a:pPr>
-              <a:t>2015/5/30</a:t>
+              <a:t>2015/5/31</a:t>
             </a:fld>
             <a:endParaRPr lang="zh-TW" altLang="en-US"/>
           </a:p>
@@ -6925,25 +6983,7 @@
                 </a:solidFill>
                 <a:latin typeface="Helvetica" pitchFamily="34" charset="0"/>
               </a:rPr>
-              <a:t>Department </a:t>
-            </a:r>
-            <a:r>
-              <a:rPr kumimoji="0" lang="en-US" altLang="zh-TW" sz="4100" dirty="0">
-                <a:solidFill>
-                  <a:srgbClr val="FFFFFF"/>
-                </a:solidFill>
-                <a:latin typeface="Helvetica" pitchFamily="34" charset="0"/>
-              </a:rPr>
-              <a:t>of Electrical Engineering, Stanford </a:t>
-            </a:r>
-            <a:r>
-              <a:rPr kumimoji="0" lang="en-US" altLang="zh-TW" sz="4100" dirty="0">
-                <a:solidFill>
-                  <a:srgbClr val="FFFFFF"/>
-                </a:solidFill>
-                <a:latin typeface="Helvetica" pitchFamily="34" charset="0"/>
-              </a:rPr>
-              <a:t>University</a:t>
+              <a:t>Department of Electrical Engineering, Stanford University</a:t>
             </a:r>
             <a:endParaRPr kumimoji="0" lang="zh-TW" altLang="en-US" sz="4100" dirty="0">
               <a:solidFill>
@@ -6963,7 +7003,7 @@
         <p:spPr>
           <a:xfrm>
             <a:off x="411163" y="4511675"/>
-            <a:ext cx="12069762" cy="8229600"/>
+            <a:ext cx="32027812" cy="2495192"/>
           </a:xfrm>
           <a:prstGeom prst="roundRect">
             <a:avLst>
@@ -7017,8 +7057,8 @@
         </p:nvSpPr>
         <p:spPr>
           <a:xfrm>
-            <a:off x="12961938" y="4511675"/>
-            <a:ext cx="19477037" cy="8229600"/>
+            <a:off x="411163" y="7294681"/>
+            <a:ext cx="18791236" cy="14292937"/>
           </a:xfrm>
           <a:prstGeom prst="roundRect">
             <a:avLst>
@@ -7074,8 +7114,8 @@
         </p:nvSpPr>
         <p:spPr bwMode="auto">
           <a:xfrm>
-            <a:off x="549275" y="4572000"/>
-            <a:ext cx="11726863" cy="863600"/>
+            <a:off x="411164" y="5273912"/>
+            <a:ext cx="4846638" cy="910136"/>
           </a:xfrm>
           <a:prstGeom prst="rect">
             <a:avLst/>
@@ -7105,7 +7145,7 @@
           </a:extLst>
         </p:spPr>
         <p:txBody>
-          <a:bodyPr lIns="78373" tIns="39187" rIns="78373" bIns="39187">
+          <a:bodyPr wrap="square" lIns="78373" tIns="39187" rIns="78373" bIns="39187">
             <a:spAutoFit/>
           </a:bodyPr>
           <a:lstStyle>
@@ -7218,12 +7258,12 @@
           <a:p>
             <a:pPr algn="ctr" eaLnBrk="1" hangingPunct="1"/>
             <a:r>
-              <a:rPr kumimoji="0" lang="en-US" altLang="zh-TW" sz="5100" b="1" dirty="0" smtClean="0">
+              <a:rPr kumimoji="0" lang="en-US" altLang="zh-TW" sz="5400" b="1" dirty="0" smtClean="0">
                 <a:latin typeface="Helvetica" panose="020B0604020202020204" pitchFamily="34" charset="0"/>
               </a:rPr>
               <a:t>Overview</a:t>
             </a:r>
-            <a:endParaRPr kumimoji="0" lang="zh-TW" altLang="en-US" sz="5100" b="1" dirty="0">
+            <a:endParaRPr kumimoji="0" lang="zh-TW" altLang="en-US" sz="5400" b="1" dirty="0">
               <a:latin typeface="Helvetica" panose="020B0604020202020204" pitchFamily="34" charset="0"/>
             </a:endParaRPr>
           </a:p>
@@ -7239,8 +7279,8 @@
         </p:nvSpPr>
         <p:spPr bwMode="auto">
           <a:xfrm>
-            <a:off x="13373100" y="4572000"/>
-            <a:ext cx="18927763" cy="863600"/>
+            <a:off x="436565" y="7467600"/>
+            <a:ext cx="7119936" cy="863970"/>
           </a:xfrm>
           <a:prstGeom prst="rect">
             <a:avLst/>
@@ -7270,7 +7310,7 @@
           </a:extLst>
         </p:spPr>
         <p:txBody>
-          <a:bodyPr lIns="78373" tIns="39187" rIns="78373" bIns="39187">
+          <a:bodyPr wrap="square" lIns="78373" tIns="39187" rIns="78373" bIns="39187">
             <a:spAutoFit/>
           </a:bodyPr>
           <a:lstStyle>
@@ -7386,7 +7426,7 @@
               <a:rPr kumimoji="0" lang="en-US" altLang="zh-TW" sz="5100" b="1" dirty="0" smtClean="0">
                 <a:latin typeface="Helvetica" panose="020B0604020202020204" pitchFamily="34" charset="0"/>
               </a:rPr>
-              <a:t>Algorithm (yay smart art)</a:t>
+              <a:t>Methodology</a:t>
             </a:r>
             <a:endParaRPr kumimoji="0" lang="zh-TW" altLang="en-US" sz="5100" b="1" dirty="0">
               <a:latin typeface="Helvetica" panose="020B0604020202020204" pitchFamily="34" charset="0"/>
@@ -7402,8 +7442,8 @@
         </p:nvSpPr>
         <p:spPr>
           <a:xfrm>
-            <a:off x="411163" y="13166725"/>
-            <a:ext cx="12069762" cy="8291513"/>
+            <a:off x="19735800" y="18719429"/>
+            <a:ext cx="12703175" cy="2868189"/>
           </a:xfrm>
           <a:prstGeom prst="roundRect">
             <a:avLst>
@@ -7459,8 +7499,8 @@
         </p:nvSpPr>
         <p:spPr bwMode="auto">
           <a:xfrm>
-            <a:off x="617538" y="13208000"/>
-            <a:ext cx="11726862" cy="1648800"/>
+            <a:off x="19850098" y="18795630"/>
+            <a:ext cx="12336463" cy="863970"/>
           </a:xfrm>
           <a:prstGeom prst="rect">
             <a:avLst/>
@@ -7490,7 +7530,7 @@
           </a:extLst>
         </p:spPr>
         <p:txBody>
-          <a:bodyPr lIns="78373" tIns="39187" rIns="78373" bIns="39187">
+          <a:bodyPr wrap="square" lIns="78373" tIns="39187" rIns="78373" bIns="39187">
             <a:spAutoFit/>
           </a:bodyPr>
           <a:lstStyle>
@@ -7606,7 +7646,7 @@
               <a:rPr kumimoji="0" lang="en-US" altLang="zh-TW" sz="5100" b="1" dirty="0" smtClean="0">
                 <a:latin typeface="Helvetica" panose="020B0604020202020204" pitchFamily="34" charset="0"/>
               </a:rPr>
-              <a:t>Future Work (or references or something else?)</a:t>
+              <a:t>References</a:t>
             </a:r>
             <a:endParaRPr kumimoji="0" lang="zh-TW" altLang="en-US" sz="5100" b="1" dirty="0">
               <a:latin typeface="Helvetica" panose="020B0604020202020204" pitchFamily="34" charset="0"/>
@@ -7622,8 +7662,8 @@
         </p:nvSpPr>
         <p:spPr>
           <a:xfrm>
-            <a:off x="12961938" y="13196888"/>
-            <a:ext cx="19477037" cy="8229600"/>
+            <a:off x="19735800" y="7294681"/>
+            <a:ext cx="12703175" cy="7609967"/>
           </a:xfrm>
           <a:prstGeom prst="roundRect">
             <a:avLst>
@@ -7679,8 +7719,8 @@
         </p:nvSpPr>
         <p:spPr bwMode="auto">
           <a:xfrm>
-            <a:off x="13373100" y="13335000"/>
-            <a:ext cx="18927763" cy="863600"/>
+            <a:off x="21183600" y="7391400"/>
+            <a:ext cx="9795667" cy="863970"/>
           </a:xfrm>
           <a:prstGeom prst="rect">
             <a:avLst/>
@@ -7710,7 +7750,7 @@
           </a:extLst>
         </p:spPr>
         <p:txBody>
-          <a:bodyPr lIns="78373" tIns="39187" rIns="78373" bIns="39187">
+          <a:bodyPr wrap="square" lIns="78373" tIns="39187" rIns="78373" bIns="39187">
             <a:spAutoFit/>
           </a:bodyPr>
           <a:lstStyle>
@@ -7826,7 +7866,7 @@
               <a:rPr kumimoji="0" lang="en-US" altLang="zh-TW" sz="5100" b="1" dirty="0" smtClean="0">
                 <a:latin typeface="Helvetica" panose="020B0604020202020204" pitchFamily="34" charset="0"/>
               </a:rPr>
-              <a:t>Results</a:t>
+              <a:t>Android Application</a:t>
             </a:r>
             <a:endParaRPr kumimoji="0" lang="zh-TW" altLang="en-US" sz="5100" b="1" dirty="0">
               <a:latin typeface="Helvetica" panose="020B0604020202020204" pitchFamily="34" charset="0"/>
@@ -7834,38 +7874,16 @@
           </a:p>
         </p:txBody>
       </p:sp>
-      <p:graphicFrame>
-        <p:nvGraphicFramePr>
-          <p:cNvPr id="4" name="Diagram 3"/>
-          <p:cNvGraphicFramePr/>
-          <p:nvPr>
-            <p:extLst>
-              <p:ext uri="{D42A27DB-BD31-4B8C-83A1-F6EECF244321}">
-                <p14:modId xmlns:p14="http://schemas.microsoft.com/office/powerpoint/2010/main" val="592174371"/>
-              </p:ext>
-            </p:extLst>
-          </p:nvPr>
-        </p:nvGraphicFramePr>
-        <p:xfrm>
-          <a:off x="13234988" y="5435600"/>
-          <a:ext cx="19065874" cy="7305675"/>
-        </p:xfrm>
-        <a:graphic>
-          <a:graphicData uri="http://schemas.openxmlformats.org/drawingml/2006/diagram">
-            <dgm:relIds xmlns:dgm="http://schemas.openxmlformats.org/drawingml/2006/diagram" xmlns:r="http://schemas.openxmlformats.org/officeDocument/2006/relationships" r:dm="rId3" r:lo="rId4" r:qs="rId5" r:cs="rId6"/>
-          </a:graphicData>
-        </a:graphic>
-      </p:graphicFrame>
       <p:sp>
         <p:nvSpPr>
-          <p:cNvPr id="5" name="TextBox 4"/>
+          <p:cNvPr id="2" name="TextBox 1"/>
           <p:cNvSpPr txBox="1"/>
           <p:nvPr/>
         </p:nvSpPr>
         <p:spPr>
           <a:xfrm>
-            <a:off x="16840200" y="15925800"/>
-            <a:ext cx="13792200" cy="1046440"/>
+            <a:off x="4800600" y="4799489"/>
+            <a:ext cx="27500263" cy="1938992"/>
           </a:xfrm>
           <a:prstGeom prst="rect">
             <a:avLst/>
@@ -7879,13 +7897,2574 @@
           <a:lstStyle/>
           <a:p>
             <a:r>
-              <a:rPr lang="en-US" dirty="0" smtClean="0"/>
-              <a:t>Pictures of outputs at different stages</a:t>
-            </a:r>
-            <a:endParaRPr lang="en-US" dirty="0"/>
+              <a:rPr lang="en-US" sz="4000" dirty="0" err="1" smtClean="0"/>
+              <a:t>LaTeX</a:t>
+            </a:r>
+            <a:r>
+              <a:rPr lang="en-US" sz="4000" dirty="0" smtClean="0"/>
+              <a:t> is a low-level markup and programming language that produces aesthetically pleasing PDF documents with diverse content. This project aims to analyze the layout of mobile images of </a:t>
+            </a:r>
+            <a:r>
+              <a:rPr lang="en-US" sz="4000" dirty="0" err="1" smtClean="0"/>
+              <a:t>LaTeX</a:t>
+            </a:r>
+            <a:r>
+              <a:rPr lang="en-US" sz="4000" dirty="0" smtClean="0"/>
+              <a:t> documents to simplify the generation of </a:t>
+            </a:r>
+            <a:r>
+              <a:rPr lang="en-US" sz="4000" dirty="0" err="1" smtClean="0"/>
+              <a:t>LaTeX</a:t>
+            </a:r>
+            <a:r>
+              <a:rPr lang="en-US" sz="4000" dirty="0" smtClean="0"/>
+              <a:t> source code.</a:t>
+            </a:r>
+            <a:endParaRPr lang="en-US" sz="4000" dirty="0"/>
           </a:p>
         </p:txBody>
       </p:sp>
+      <p:graphicFrame>
+        <p:nvGraphicFramePr>
+          <p:cNvPr id="10" name="Diagram 9"/>
+          <p:cNvGraphicFramePr/>
+          <p:nvPr>
+            <p:extLst>
+              <p:ext uri="{D42A27DB-BD31-4B8C-83A1-F6EECF244321}">
+                <p14:modId xmlns:p14="http://schemas.microsoft.com/office/powerpoint/2010/main" val="846386899"/>
+              </p:ext>
+            </p:extLst>
+          </p:nvPr>
+        </p:nvGraphicFramePr>
+        <p:xfrm>
+          <a:off x="1143000" y="8504489"/>
+          <a:ext cx="5862636" cy="12602911"/>
+        </p:xfrm>
+        <a:graphic>
+          <a:graphicData uri="http://schemas.openxmlformats.org/drawingml/2006/diagram">
+            <dgm:relIds xmlns:dgm="http://schemas.openxmlformats.org/drawingml/2006/diagram" xmlns:r="http://schemas.openxmlformats.org/officeDocument/2006/relationships" r:dm="rId3" r:lo="rId4" r:qs="rId5" r:cs="rId6"/>
+          </a:graphicData>
+        </a:graphic>
+      </p:graphicFrame>
+      <p:sp>
+        <p:nvSpPr>
+          <p:cNvPr id="11" name="TextBox 10"/>
+          <p:cNvSpPr txBox="1"/>
+          <p:nvPr/>
+        </p:nvSpPr>
+        <p:spPr>
+          <a:xfrm>
+            <a:off x="19964399" y="19735800"/>
+            <a:ext cx="12107863" cy="1569660"/>
+          </a:xfrm>
+          <a:prstGeom prst="rect">
+            <a:avLst/>
+          </a:prstGeom>
+          <a:noFill/>
+        </p:spPr>
+        <p:txBody>
+          <a:bodyPr wrap="square" rtlCol="0">
+            <a:spAutoFit/>
+          </a:bodyPr>
+          <a:lstStyle/>
+          <a:p>
+            <a:r>
+              <a:rPr lang="en-US" sz="3200" dirty="0"/>
+              <a:t>H.S. Baird, S.E. Jones and S.J. Fortune, "Image Segmentation by Shape-Directed Covers,"</a:t>
+            </a:r>
+            <a:r>
+              <a:rPr lang="en-US" sz="3200" i="1" dirty="0" err="1"/>
+              <a:t>Proc</a:t>
+            </a:r>
+            <a:r>
+              <a:rPr lang="en-US" sz="3200" i="1" dirty="0"/>
+              <a:t>. </a:t>
+            </a:r>
+            <a:r>
+              <a:rPr lang="en-US" sz="3200" i="1" dirty="0" err="1"/>
+              <a:t>Int</a:t>
+            </a:r>
+            <a:r>
+              <a:rPr lang="en-US" sz="3200" i="1" dirty="0"/>
+              <a:t>',l Conf. Pattern Recognition,</a:t>
+            </a:r>
+            <a:r>
+              <a:rPr lang="en-US" sz="3200" dirty="0"/>
+              <a:t> pp. 820-825, 1990.</a:t>
+            </a:r>
+          </a:p>
+        </p:txBody>
+      </p:sp>
+      <p:grpSp>
+        <p:nvGrpSpPr>
+          <p:cNvPr id="7" name="Group 6"/>
+          <p:cNvGrpSpPr/>
+          <p:nvPr/>
+        </p:nvGrpSpPr>
+        <p:grpSpPr>
+          <a:xfrm>
+            <a:off x="10669428" y="13464030"/>
+            <a:ext cx="4873942" cy="1646938"/>
+            <a:chOff x="10669428" y="13464030"/>
+            <a:chExt cx="4873942" cy="1646938"/>
+          </a:xfrm>
+        </p:grpSpPr>
+        <p:sp>
+          <p:nvSpPr>
+            <p:cNvPr id="8" name="Freeform 7"/>
+            <p:cNvSpPr/>
+            <p:nvPr/>
+          </p:nvSpPr>
+          <p:spPr>
+            <a:xfrm>
+              <a:off x="14013180" y="14514761"/>
+              <a:ext cx="623411" cy="142817"/>
+            </a:xfrm>
+            <a:custGeom>
+              <a:avLst/>
+              <a:gdLst/>
+              <a:ahLst/>
+              <a:cxnLst/>
+              <a:rect l="0" t="0" r="0" b="0"/>
+              <a:pathLst>
+                <a:path>
+                  <a:moveTo>
+                    <a:pt x="0" y="0"/>
+                  </a:moveTo>
+                  <a:lnTo>
+                    <a:pt x="0" y="71975"/>
+                  </a:lnTo>
+                  <a:lnTo>
+                    <a:pt x="623411" y="71975"/>
+                  </a:lnTo>
+                  <a:lnTo>
+                    <a:pt x="623411" y="142817"/>
+                  </a:lnTo>
+                </a:path>
+              </a:pathLst>
+            </a:custGeom>
+            <a:noFill/>
+          </p:spPr>
+          <p:style>
+            <a:lnRef idx="2">
+              <a:schemeClr val="accent1">
+                <a:shade val="80000"/>
+                <a:hueOff val="0"/>
+                <a:satOff val="0"/>
+                <a:lumOff val="0"/>
+                <a:alphaOff val="0"/>
+              </a:schemeClr>
+            </a:lnRef>
+            <a:fillRef idx="0">
+              <a:scrgbClr r="0" g="0" b="0"/>
+            </a:fillRef>
+            <a:effectRef idx="0">
+              <a:schemeClr val="accent1">
+                <a:hueOff val="0"/>
+                <a:satOff val="0"/>
+                <a:lumOff val="0"/>
+                <a:alphaOff val="0"/>
+              </a:schemeClr>
+            </a:effectRef>
+            <a:fontRef idx="minor">
+              <a:schemeClr val="tx1">
+                <a:hueOff val="0"/>
+                <a:satOff val="0"/>
+                <a:lumOff val="0"/>
+                <a:alphaOff val="0"/>
+              </a:schemeClr>
+            </a:fontRef>
+          </p:style>
+        </p:sp>
+        <p:sp>
+          <p:nvSpPr>
+            <p:cNvPr id="9" name="Freeform 8"/>
+            <p:cNvSpPr/>
+            <p:nvPr/>
+          </p:nvSpPr>
+          <p:spPr>
+            <a:xfrm>
+              <a:off x="13389768" y="14514761"/>
+              <a:ext cx="623411" cy="142817"/>
+            </a:xfrm>
+            <a:custGeom>
+              <a:avLst/>
+              <a:gdLst/>
+              <a:ahLst/>
+              <a:cxnLst/>
+              <a:rect l="0" t="0" r="0" b="0"/>
+              <a:pathLst>
+                <a:path>
+                  <a:moveTo>
+                    <a:pt x="623411" y="0"/>
+                  </a:moveTo>
+                  <a:lnTo>
+                    <a:pt x="623411" y="71975"/>
+                  </a:lnTo>
+                  <a:lnTo>
+                    <a:pt x="0" y="71975"/>
+                  </a:lnTo>
+                  <a:lnTo>
+                    <a:pt x="0" y="142817"/>
+                  </a:lnTo>
+                </a:path>
+              </a:pathLst>
+            </a:custGeom>
+            <a:noFill/>
+          </p:spPr>
+          <p:style>
+            <a:lnRef idx="2">
+              <a:schemeClr val="accent1">
+                <a:shade val="80000"/>
+                <a:hueOff val="0"/>
+                <a:satOff val="0"/>
+                <a:lumOff val="0"/>
+                <a:alphaOff val="0"/>
+              </a:schemeClr>
+            </a:lnRef>
+            <a:fillRef idx="0">
+              <a:scrgbClr r="0" g="0" b="0"/>
+            </a:fillRef>
+            <a:effectRef idx="0">
+              <a:schemeClr val="accent1">
+                <a:hueOff val="0"/>
+                <a:satOff val="0"/>
+                <a:lumOff val="0"/>
+                <a:alphaOff val="0"/>
+              </a:schemeClr>
+            </a:effectRef>
+            <a:fontRef idx="minor">
+              <a:schemeClr val="tx1">
+                <a:hueOff val="0"/>
+                <a:satOff val="0"/>
+                <a:lumOff val="0"/>
+                <a:alphaOff val="0"/>
+              </a:schemeClr>
+            </a:fontRef>
+          </p:style>
+        </p:sp>
+        <p:sp>
+          <p:nvSpPr>
+            <p:cNvPr id="12" name="Freeform 11"/>
+            <p:cNvSpPr/>
+            <p:nvPr/>
+          </p:nvSpPr>
+          <p:spPr>
+            <a:xfrm>
+              <a:off x="12766357" y="13918553"/>
+              <a:ext cx="1246822" cy="142817"/>
+            </a:xfrm>
+            <a:custGeom>
+              <a:avLst/>
+              <a:gdLst/>
+              <a:ahLst/>
+              <a:cxnLst/>
+              <a:rect l="0" t="0" r="0" b="0"/>
+              <a:pathLst>
+                <a:path>
+                  <a:moveTo>
+                    <a:pt x="0" y="0"/>
+                  </a:moveTo>
+                  <a:lnTo>
+                    <a:pt x="0" y="71975"/>
+                  </a:lnTo>
+                  <a:lnTo>
+                    <a:pt x="1246822" y="71975"/>
+                  </a:lnTo>
+                  <a:lnTo>
+                    <a:pt x="1246822" y="142817"/>
+                  </a:lnTo>
+                </a:path>
+              </a:pathLst>
+            </a:custGeom>
+            <a:noFill/>
+          </p:spPr>
+          <p:style>
+            <a:lnRef idx="2">
+              <a:schemeClr val="accent1">
+                <a:shade val="60000"/>
+                <a:hueOff val="0"/>
+                <a:satOff val="0"/>
+                <a:lumOff val="0"/>
+                <a:alphaOff val="0"/>
+              </a:schemeClr>
+            </a:lnRef>
+            <a:fillRef idx="0">
+              <a:scrgbClr r="0" g="0" b="0"/>
+            </a:fillRef>
+            <a:effectRef idx="0">
+              <a:schemeClr val="accent1">
+                <a:hueOff val="0"/>
+                <a:satOff val="0"/>
+                <a:lumOff val="0"/>
+                <a:alphaOff val="0"/>
+              </a:schemeClr>
+            </a:effectRef>
+            <a:fontRef idx="minor">
+              <a:schemeClr val="tx1">
+                <a:hueOff val="0"/>
+                <a:satOff val="0"/>
+                <a:lumOff val="0"/>
+                <a:alphaOff val="0"/>
+              </a:schemeClr>
+            </a:fontRef>
+          </p:style>
+        </p:sp>
+        <p:sp>
+          <p:nvSpPr>
+            <p:cNvPr id="13" name="Freeform 12"/>
+            <p:cNvSpPr/>
+            <p:nvPr/>
+          </p:nvSpPr>
+          <p:spPr>
+            <a:xfrm>
+              <a:off x="11519535" y="14514761"/>
+              <a:ext cx="623411" cy="142817"/>
+            </a:xfrm>
+            <a:custGeom>
+              <a:avLst/>
+              <a:gdLst/>
+              <a:ahLst/>
+              <a:cxnLst/>
+              <a:rect l="0" t="0" r="0" b="0"/>
+              <a:pathLst>
+                <a:path>
+                  <a:moveTo>
+                    <a:pt x="0" y="0"/>
+                  </a:moveTo>
+                  <a:lnTo>
+                    <a:pt x="0" y="71975"/>
+                  </a:lnTo>
+                  <a:lnTo>
+                    <a:pt x="623411" y="71975"/>
+                  </a:lnTo>
+                  <a:lnTo>
+                    <a:pt x="623411" y="142817"/>
+                  </a:lnTo>
+                </a:path>
+              </a:pathLst>
+            </a:custGeom>
+            <a:noFill/>
+          </p:spPr>
+          <p:style>
+            <a:lnRef idx="2">
+              <a:schemeClr val="accent1">
+                <a:shade val="80000"/>
+                <a:hueOff val="0"/>
+                <a:satOff val="0"/>
+                <a:lumOff val="0"/>
+                <a:alphaOff val="0"/>
+              </a:schemeClr>
+            </a:lnRef>
+            <a:fillRef idx="0">
+              <a:scrgbClr r="0" g="0" b="0"/>
+            </a:fillRef>
+            <a:effectRef idx="0">
+              <a:schemeClr val="accent1">
+                <a:hueOff val="0"/>
+                <a:satOff val="0"/>
+                <a:lumOff val="0"/>
+                <a:alphaOff val="0"/>
+              </a:schemeClr>
+            </a:effectRef>
+            <a:fontRef idx="minor">
+              <a:schemeClr val="tx1">
+                <a:hueOff val="0"/>
+                <a:satOff val="0"/>
+                <a:lumOff val="0"/>
+                <a:alphaOff val="0"/>
+              </a:schemeClr>
+            </a:fontRef>
+          </p:style>
+        </p:sp>
+        <p:sp>
+          <p:nvSpPr>
+            <p:cNvPr id="14" name="Freeform 13"/>
+            <p:cNvSpPr/>
+            <p:nvPr/>
+          </p:nvSpPr>
+          <p:spPr>
+            <a:xfrm>
+              <a:off x="10896123" y="14514761"/>
+              <a:ext cx="623411" cy="142817"/>
+            </a:xfrm>
+            <a:custGeom>
+              <a:avLst/>
+              <a:gdLst/>
+              <a:ahLst/>
+              <a:cxnLst/>
+              <a:rect l="0" t="0" r="0" b="0"/>
+              <a:pathLst>
+                <a:path>
+                  <a:moveTo>
+                    <a:pt x="623411" y="0"/>
+                  </a:moveTo>
+                  <a:lnTo>
+                    <a:pt x="623411" y="71975"/>
+                  </a:lnTo>
+                  <a:lnTo>
+                    <a:pt x="0" y="71975"/>
+                  </a:lnTo>
+                  <a:lnTo>
+                    <a:pt x="0" y="142817"/>
+                  </a:lnTo>
+                </a:path>
+              </a:pathLst>
+            </a:custGeom>
+            <a:noFill/>
+          </p:spPr>
+          <p:style>
+            <a:lnRef idx="2">
+              <a:schemeClr val="accent1">
+                <a:shade val="80000"/>
+                <a:hueOff val="0"/>
+                <a:satOff val="0"/>
+                <a:lumOff val="0"/>
+                <a:alphaOff val="0"/>
+              </a:schemeClr>
+            </a:lnRef>
+            <a:fillRef idx="0">
+              <a:scrgbClr r="0" g="0" b="0"/>
+            </a:fillRef>
+            <a:effectRef idx="0">
+              <a:schemeClr val="accent1">
+                <a:hueOff val="0"/>
+                <a:satOff val="0"/>
+                <a:lumOff val="0"/>
+                <a:alphaOff val="0"/>
+              </a:schemeClr>
+            </a:effectRef>
+            <a:fontRef idx="minor">
+              <a:schemeClr val="tx1">
+                <a:hueOff val="0"/>
+                <a:satOff val="0"/>
+                <a:lumOff val="0"/>
+                <a:alphaOff val="0"/>
+              </a:schemeClr>
+            </a:fontRef>
+          </p:style>
+        </p:sp>
+        <p:sp>
+          <p:nvSpPr>
+            <p:cNvPr id="15" name="Freeform 14"/>
+            <p:cNvSpPr/>
+            <p:nvPr/>
+          </p:nvSpPr>
+          <p:spPr>
+            <a:xfrm>
+              <a:off x="11519535" y="13918553"/>
+              <a:ext cx="1246822" cy="142817"/>
+            </a:xfrm>
+            <a:custGeom>
+              <a:avLst/>
+              <a:gdLst/>
+              <a:ahLst/>
+              <a:cxnLst/>
+              <a:rect l="0" t="0" r="0" b="0"/>
+              <a:pathLst>
+                <a:path>
+                  <a:moveTo>
+                    <a:pt x="1246822" y="0"/>
+                  </a:moveTo>
+                  <a:lnTo>
+                    <a:pt x="1246822" y="71975"/>
+                  </a:lnTo>
+                  <a:lnTo>
+                    <a:pt x="0" y="71975"/>
+                  </a:lnTo>
+                  <a:lnTo>
+                    <a:pt x="0" y="142817"/>
+                  </a:lnTo>
+                </a:path>
+              </a:pathLst>
+            </a:custGeom>
+            <a:noFill/>
+          </p:spPr>
+          <p:style>
+            <a:lnRef idx="2">
+              <a:schemeClr val="accent1">
+                <a:shade val="60000"/>
+                <a:hueOff val="0"/>
+                <a:satOff val="0"/>
+                <a:lumOff val="0"/>
+                <a:alphaOff val="0"/>
+              </a:schemeClr>
+            </a:lnRef>
+            <a:fillRef idx="0">
+              <a:scrgbClr r="0" g="0" b="0"/>
+            </a:fillRef>
+            <a:effectRef idx="0">
+              <a:schemeClr val="accent1">
+                <a:hueOff val="0"/>
+                <a:satOff val="0"/>
+                <a:lumOff val="0"/>
+                <a:alphaOff val="0"/>
+              </a:schemeClr>
+            </a:effectRef>
+            <a:fontRef idx="minor">
+              <a:schemeClr val="tx1">
+                <a:hueOff val="0"/>
+                <a:satOff val="0"/>
+                <a:lumOff val="0"/>
+                <a:alphaOff val="0"/>
+              </a:schemeClr>
+            </a:fontRef>
+          </p:style>
+        </p:sp>
+        <p:sp>
+          <p:nvSpPr>
+            <p:cNvPr id="16" name="Oval 15"/>
+            <p:cNvSpPr/>
+            <p:nvPr/>
+          </p:nvSpPr>
+          <p:spPr>
+            <a:xfrm>
+              <a:off x="12539662" y="13465163"/>
+              <a:ext cx="453389" cy="453389"/>
+            </a:xfrm>
+            <a:prstGeom prst="ellipse">
+              <a:avLst/>
+            </a:prstGeom>
+          </p:spPr>
+          <p:style>
+            <a:lnRef idx="2">
+              <a:schemeClr val="lt1">
+                <a:hueOff val="0"/>
+                <a:satOff val="0"/>
+                <a:lumOff val="0"/>
+                <a:alphaOff val="0"/>
+              </a:schemeClr>
+            </a:lnRef>
+            <a:fillRef idx="1">
+              <a:schemeClr val="accent1">
+                <a:hueOff val="0"/>
+                <a:satOff val="0"/>
+                <a:lumOff val="0"/>
+                <a:alphaOff val="0"/>
+              </a:schemeClr>
+            </a:fillRef>
+            <a:effectRef idx="0">
+              <a:schemeClr val="accent1">
+                <a:hueOff val="0"/>
+                <a:satOff val="0"/>
+                <a:lumOff val="0"/>
+                <a:alphaOff val="0"/>
+              </a:schemeClr>
+            </a:effectRef>
+            <a:fontRef idx="minor">
+              <a:schemeClr val="lt1"/>
+            </a:fontRef>
+          </p:style>
+        </p:sp>
+        <p:sp>
+          <p:nvSpPr>
+            <p:cNvPr id="17" name="Freeform 16"/>
+            <p:cNvSpPr/>
+            <p:nvPr/>
+          </p:nvSpPr>
+          <p:spPr>
+            <a:xfrm>
+              <a:off x="12993052" y="13464030"/>
+              <a:ext cx="680084" cy="453389"/>
+            </a:xfrm>
+            <a:custGeom>
+              <a:avLst/>
+              <a:gdLst>
+                <a:gd name="connsiteX0" fmla="*/ 0 w 680084"/>
+                <a:gd name="connsiteY0" fmla="*/ 0 h 453389"/>
+                <a:gd name="connsiteX1" fmla="*/ 680084 w 680084"/>
+                <a:gd name="connsiteY1" fmla="*/ 0 h 453389"/>
+                <a:gd name="connsiteX2" fmla="*/ 680084 w 680084"/>
+                <a:gd name="connsiteY2" fmla="*/ 453389 h 453389"/>
+                <a:gd name="connsiteX3" fmla="*/ 0 w 680084"/>
+                <a:gd name="connsiteY3" fmla="*/ 453389 h 453389"/>
+                <a:gd name="connsiteX4" fmla="*/ 0 w 680084"/>
+                <a:gd name="connsiteY4" fmla="*/ 0 h 453389"/>
+              </a:gdLst>
+              <a:ahLst/>
+              <a:cxnLst>
+                <a:cxn ang="0">
+                  <a:pos x="connsiteX0" y="connsiteY0"/>
+                </a:cxn>
+                <a:cxn ang="0">
+                  <a:pos x="connsiteX1" y="connsiteY1"/>
+                </a:cxn>
+                <a:cxn ang="0">
+                  <a:pos x="connsiteX2" y="connsiteY2"/>
+                </a:cxn>
+                <a:cxn ang="0">
+                  <a:pos x="connsiteX3" y="connsiteY3"/>
+                </a:cxn>
+                <a:cxn ang="0">
+                  <a:pos x="connsiteX4" y="connsiteY4"/>
+                </a:cxn>
+              </a:cxnLst>
+              <a:rect l="l" t="t" r="r" b="b"/>
+              <a:pathLst>
+                <a:path w="680084" h="453389">
+                  <a:moveTo>
+                    <a:pt x="0" y="0"/>
+                  </a:moveTo>
+                  <a:lnTo>
+                    <a:pt x="680084" y="0"/>
+                  </a:lnTo>
+                  <a:lnTo>
+                    <a:pt x="680084" y="453389"/>
+                  </a:lnTo>
+                  <a:lnTo>
+                    <a:pt x="0" y="453389"/>
+                  </a:lnTo>
+                  <a:lnTo>
+                    <a:pt x="0" y="0"/>
+                  </a:lnTo>
+                  <a:close/>
+                </a:path>
+              </a:pathLst>
+            </a:custGeom>
+          </p:spPr>
+          <p:style>
+            <a:lnRef idx="0">
+              <a:schemeClr val="dk1">
+                <a:alpha val="0"/>
+                <a:hueOff val="0"/>
+                <a:satOff val="0"/>
+                <a:lumOff val="0"/>
+                <a:alphaOff val="0"/>
+              </a:schemeClr>
+            </a:lnRef>
+            <a:fillRef idx="0">
+              <a:schemeClr val="lt1">
+                <a:alpha val="0"/>
+                <a:hueOff val="0"/>
+                <a:satOff val="0"/>
+                <a:lumOff val="0"/>
+                <a:alphaOff val="0"/>
+              </a:schemeClr>
+            </a:fillRef>
+            <a:effectRef idx="0">
+              <a:schemeClr val="lt1">
+                <a:alpha val="0"/>
+                <a:hueOff val="0"/>
+                <a:satOff val="0"/>
+                <a:lumOff val="0"/>
+                <a:alphaOff val="0"/>
+              </a:schemeClr>
+            </a:effectRef>
+            <a:fontRef idx="minor">
+              <a:schemeClr val="tx1">
+                <a:hueOff val="0"/>
+                <a:satOff val="0"/>
+                <a:lumOff val="0"/>
+                <a:alphaOff val="0"/>
+              </a:schemeClr>
+            </a:fontRef>
+          </p:style>
+          <p:txBody>
+            <a:bodyPr spcFirstLastPara="0" vert="horz" wrap="square" lIns="80010" tIns="80010" rIns="80010" bIns="80010" numCol="1" spcCol="1270" anchor="ctr" anchorCtr="0">
+              <a:noAutofit/>
+            </a:bodyPr>
+            <a:lstStyle/>
+            <a:p>
+              <a:pPr lvl="0" algn="l" defTabSz="933450">
+                <a:lnSpc>
+                  <a:spcPct val="90000"/>
+                </a:lnSpc>
+                <a:spcBef>
+                  <a:spcPct val="0"/>
+                </a:spcBef>
+                <a:spcAft>
+                  <a:spcPct val="35000"/>
+                </a:spcAft>
+              </a:pPr>
+              <a:endParaRPr lang="en-US" sz="2100" kern="1200" dirty="0"/>
+            </a:p>
+          </p:txBody>
+        </p:sp>
+        <p:sp>
+          <p:nvSpPr>
+            <p:cNvPr id="18" name="Oval 17"/>
+            <p:cNvSpPr/>
+            <p:nvPr/>
+          </p:nvSpPr>
+          <p:spPr>
+            <a:xfrm>
+              <a:off x="11292840" y="14061371"/>
+              <a:ext cx="453389" cy="453389"/>
+            </a:xfrm>
+            <a:prstGeom prst="ellipse">
+              <a:avLst/>
+            </a:prstGeom>
+          </p:spPr>
+          <p:style>
+            <a:lnRef idx="2">
+              <a:schemeClr val="lt1">
+                <a:hueOff val="0"/>
+                <a:satOff val="0"/>
+                <a:lumOff val="0"/>
+                <a:alphaOff val="0"/>
+              </a:schemeClr>
+            </a:lnRef>
+            <a:fillRef idx="1">
+              <a:schemeClr val="accent1">
+                <a:hueOff val="0"/>
+                <a:satOff val="0"/>
+                <a:lumOff val="0"/>
+                <a:alphaOff val="0"/>
+              </a:schemeClr>
+            </a:fillRef>
+            <a:effectRef idx="0">
+              <a:schemeClr val="accent1">
+                <a:hueOff val="0"/>
+                <a:satOff val="0"/>
+                <a:lumOff val="0"/>
+                <a:alphaOff val="0"/>
+              </a:schemeClr>
+            </a:effectRef>
+            <a:fontRef idx="minor">
+              <a:schemeClr val="lt1"/>
+            </a:fontRef>
+          </p:style>
+        </p:sp>
+        <p:sp>
+          <p:nvSpPr>
+            <p:cNvPr id="19" name="Freeform 18"/>
+            <p:cNvSpPr/>
+            <p:nvPr/>
+          </p:nvSpPr>
+          <p:spPr>
+            <a:xfrm>
+              <a:off x="11746230" y="14060238"/>
+              <a:ext cx="680084" cy="453389"/>
+            </a:xfrm>
+            <a:custGeom>
+              <a:avLst/>
+              <a:gdLst>
+                <a:gd name="connsiteX0" fmla="*/ 0 w 680084"/>
+                <a:gd name="connsiteY0" fmla="*/ 0 h 453389"/>
+                <a:gd name="connsiteX1" fmla="*/ 680084 w 680084"/>
+                <a:gd name="connsiteY1" fmla="*/ 0 h 453389"/>
+                <a:gd name="connsiteX2" fmla="*/ 680084 w 680084"/>
+                <a:gd name="connsiteY2" fmla="*/ 453389 h 453389"/>
+                <a:gd name="connsiteX3" fmla="*/ 0 w 680084"/>
+                <a:gd name="connsiteY3" fmla="*/ 453389 h 453389"/>
+                <a:gd name="connsiteX4" fmla="*/ 0 w 680084"/>
+                <a:gd name="connsiteY4" fmla="*/ 0 h 453389"/>
+              </a:gdLst>
+              <a:ahLst/>
+              <a:cxnLst>
+                <a:cxn ang="0">
+                  <a:pos x="connsiteX0" y="connsiteY0"/>
+                </a:cxn>
+                <a:cxn ang="0">
+                  <a:pos x="connsiteX1" y="connsiteY1"/>
+                </a:cxn>
+                <a:cxn ang="0">
+                  <a:pos x="connsiteX2" y="connsiteY2"/>
+                </a:cxn>
+                <a:cxn ang="0">
+                  <a:pos x="connsiteX3" y="connsiteY3"/>
+                </a:cxn>
+                <a:cxn ang="0">
+                  <a:pos x="connsiteX4" y="connsiteY4"/>
+                </a:cxn>
+              </a:cxnLst>
+              <a:rect l="l" t="t" r="r" b="b"/>
+              <a:pathLst>
+                <a:path w="680084" h="453389">
+                  <a:moveTo>
+                    <a:pt x="0" y="0"/>
+                  </a:moveTo>
+                  <a:lnTo>
+                    <a:pt x="680084" y="0"/>
+                  </a:lnTo>
+                  <a:lnTo>
+                    <a:pt x="680084" y="453389"/>
+                  </a:lnTo>
+                  <a:lnTo>
+                    <a:pt x="0" y="453389"/>
+                  </a:lnTo>
+                  <a:lnTo>
+                    <a:pt x="0" y="0"/>
+                  </a:lnTo>
+                  <a:close/>
+                </a:path>
+              </a:pathLst>
+            </a:custGeom>
+          </p:spPr>
+          <p:style>
+            <a:lnRef idx="0">
+              <a:schemeClr val="dk1">
+                <a:alpha val="0"/>
+                <a:hueOff val="0"/>
+                <a:satOff val="0"/>
+                <a:lumOff val="0"/>
+                <a:alphaOff val="0"/>
+              </a:schemeClr>
+            </a:lnRef>
+            <a:fillRef idx="0">
+              <a:schemeClr val="lt1">
+                <a:alpha val="0"/>
+                <a:hueOff val="0"/>
+                <a:satOff val="0"/>
+                <a:lumOff val="0"/>
+                <a:alphaOff val="0"/>
+              </a:schemeClr>
+            </a:fillRef>
+            <a:effectRef idx="0">
+              <a:schemeClr val="lt1">
+                <a:alpha val="0"/>
+                <a:hueOff val="0"/>
+                <a:satOff val="0"/>
+                <a:lumOff val="0"/>
+                <a:alphaOff val="0"/>
+              </a:schemeClr>
+            </a:effectRef>
+            <a:fontRef idx="minor">
+              <a:schemeClr val="tx1">
+                <a:hueOff val="0"/>
+                <a:satOff val="0"/>
+                <a:lumOff val="0"/>
+                <a:alphaOff val="0"/>
+              </a:schemeClr>
+            </a:fontRef>
+          </p:style>
+          <p:txBody>
+            <a:bodyPr spcFirstLastPara="0" vert="horz" wrap="square" lIns="80010" tIns="80010" rIns="80010" bIns="80010" numCol="1" spcCol="1270" anchor="ctr" anchorCtr="0">
+              <a:noAutofit/>
+            </a:bodyPr>
+            <a:lstStyle/>
+            <a:p>
+              <a:pPr lvl="0" algn="l" defTabSz="933450">
+                <a:lnSpc>
+                  <a:spcPct val="90000"/>
+                </a:lnSpc>
+                <a:spcBef>
+                  <a:spcPct val="0"/>
+                </a:spcBef>
+                <a:spcAft>
+                  <a:spcPct val="35000"/>
+                </a:spcAft>
+              </a:pPr>
+              <a:endParaRPr lang="en-US" sz="2100" kern="1200" dirty="0"/>
+            </a:p>
+          </p:txBody>
+        </p:sp>
+        <p:sp>
+          <p:nvSpPr>
+            <p:cNvPr id="21" name="Oval 20"/>
+            <p:cNvSpPr/>
+            <p:nvPr/>
+          </p:nvSpPr>
+          <p:spPr>
+            <a:xfrm>
+              <a:off x="10669428" y="14657579"/>
+              <a:ext cx="453389" cy="453389"/>
+            </a:xfrm>
+            <a:prstGeom prst="ellipse">
+              <a:avLst/>
+            </a:prstGeom>
+          </p:spPr>
+          <p:style>
+            <a:lnRef idx="2">
+              <a:schemeClr val="lt1">
+                <a:hueOff val="0"/>
+                <a:satOff val="0"/>
+                <a:lumOff val="0"/>
+                <a:alphaOff val="0"/>
+              </a:schemeClr>
+            </a:lnRef>
+            <a:fillRef idx="1">
+              <a:schemeClr val="accent1">
+                <a:hueOff val="0"/>
+                <a:satOff val="0"/>
+                <a:lumOff val="0"/>
+                <a:alphaOff val="0"/>
+              </a:schemeClr>
+            </a:fillRef>
+            <a:effectRef idx="0">
+              <a:schemeClr val="accent1">
+                <a:hueOff val="0"/>
+                <a:satOff val="0"/>
+                <a:lumOff val="0"/>
+                <a:alphaOff val="0"/>
+              </a:schemeClr>
+            </a:effectRef>
+            <a:fontRef idx="minor">
+              <a:schemeClr val="lt1"/>
+            </a:fontRef>
+          </p:style>
+        </p:sp>
+        <p:sp>
+          <p:nvSpPr>
+            <p:cNvPr id="22" name="Freeform 21"/>
+            <p:cNvSpPr/>
+            <p:nvPr/>
+          </p:nvSpPr>
+          <p:spPr>
+            <a:xfrm>
+              <a:off x="11122818" y="14656446"/>
+              <a:ext cx="680084" cy="453389"/>
+            </a:xfrm>
+            <a:custGeom>
+              <a:avLst/>
+              <a:gdLst>
+                <a:gd name="connsiteX0" fmla="*/ 0 w 680084"/>
+                <a:gd name="connsiteY0" fmla="*/ 0 h 453389"/>
+                <a:gd name="connsiteX1" fmla="*/ 680084 w 680084"/>
+                <a:gd name="connsiteY1" fmla="*/ 0 h 453389"/>
+                <a:gd name="connsiteX2" fmla="*/ 680084 w 680084"/>
+                <a:gd name="connsiteY2" fmla="*/ 453389 h 453389"/>
+                <a:gd name="connsiteX3" fmla="*/ 0 w 680084"/>
+                <a:gd name="connsiteY3" fmla="*/ 453389 h 453389"/>
+                <a:gd name="connsiteX4" fmla="*/ 0 w 680084"/>
+                <a:gd name="connsiteY4" fmla="*/ 0 h 453389"/>
+              </a:gdLst>
+              <a:ahLst/>
+              <a:cxnLst>
+                <a:cxn ang="0">
+                  <a:pos x="connsiteX0" y="connsiteY0"/>
+                </a:cxn>
+                <a:cxn ang="0">
+                  <a:pos x="connsiteX1" y="connsiteY1"/>
+                </a:cxn>
+                <a:cxn ang="0">
+                  <a:pos x="connsiteX2" y="connsiteY2"/>
+                </a:cxn>
+                <a:cxn ang="0">
+                  <a:pos x="connsiteX3" y="connsiteY3"/>
+                </a:cxn>
+                <a:cxn ang="0">
+                  <a:pos x="connsiteX4" y="connsiteY4"/>
+                </a:cxn>
+              </a:cxnLst>
+              <a:rect l="l" t="t" r="r" b="b"/>
+              <a:pathLst>
+                <a:path w="680084" h="453389">
+                  <a:moveTo>
+                    <a:pt x="0" y="0"/>
+                  </a:moveTo>
+                  <a:lnTo>
+                    <a:pt x="680084" y="0"/>
+                  </a:lnTo>
+                  <a:lnTo>
+                    <a:pt x="680084" y="453389"/>
+                  </a:lnTo>
+                  <a:lnTo>
+                    <a:pt x="0" y="453389"/>
+                  </a:lnTo>
+                  <a:lnTo>
+                    <a:pt x="0" y="0"/>
+                  </a:lnTo>
+                  <a:close/>
+                </a:path>
+              </a:pathLst>
+            </a:custGeom>
+          </p:spPr>
+          <p:style>
+            <a:lnRef idx="0">
+              <a:schemeClr val="dk1">
+                <a:alpha val="0"/>
+                <a:hueOff val="0"/>
+                <a:satOff val="0"/>
+                <a:lumOff val="0"/>
+                <a:alphaOff val="0"/>
+              </a:schemeClr>
+            </a:lnRef>
+            <a:fillRef idx="0">
+              <a:schemeClr val="lt1">
+                <a:alpha val="0"/>
+                <a:hueOff val="0"/>
+                <a:satOff val="0"/>
+                <a:lumOff val="0"/>
+                <a:alphaOff val="0"/>
+              </a:schemeClr>
+            </a:fillRef>
+            <a:effectRef idx="0">
+              <a:schemeClr val="lt1">
+                <a:alpha val="0"/>
+                <a:hueOff val="0"/>
+                <a:satOff val="0"/>
+                <a:lumOff val="0"/>
+                <a:alphaOff val="0"/>
+              </a:schemeClr>
+            </a:effectRef>
+            <a:fontRef idx="minor">
+              <a:schemeClr val="tx1">
+                <a:hueOff val="0"/>
+                <a:satOff val="0"/>
+                <a:lumOff val="0"/>
+                <a:alphaOff val="0"/>
+              </a:schemeClr>
+            </a:fontRef>
+          </p:style>
+          <p:txBody>
+            <a:bodyPr spcFirstLastPara="0" vert="horz" wrap="square" lIns="80010" tIns="80010" rIns="80010" bIns="80010" numCol="1" spcCol="1270" anchor="ctr" anchorCtr="0">
+              <a:noAutofit/>
+            </a:bodyPr>
+            <a:lstStyle/>
+            <a:p>
+              <a:pPr lvl="0" algn="l" defTabSz="933450">
+                <a:lnSpc>
+                  <a:spcPct val="90000"/>
+                </a:lnSpc>
+                <a:spcBef>
+                  <a:spcPct val="0"/>
+                </a:spcBef>
+                <a:spcAft>
+                  <a:spcPct val="35000"/>
+                </a:spcAft>
+              </a:pPr>
+              <a:endParaRPr lang="en-US" sz="2100" kern="1200" dirty="0"/>
+            </a:p>
+          </p:txBody>
+        </p:sp>
+        <p:sp>
+          <p:nvSpPr>
+            <p:cNvPr id="23" name="Oval 22"/>
+            <p:cNvSpPr/>
+            <p:nvPr/>
+          </p:nvSpPr>
+          <p:spPr>
+            <a:xfrm>
+              <a:off x="11916251" y="14657579"/>
+              <a:ext cx="453389" cy="453389"/>
+            </a:xfrm>
+            <a:prstGeom prst="ellipse">
+              <a:avLst/>
+            </a:prstGeom>
+          </p:spPr>
+          <p:style>
+            <a:lnRef idx="2">
+              <a:schemeClr val="lt1">
+                <a:hueOff val="0"/>
+                <a:satOff val="0"/>
+                <a:lumOff val="0"/>
+                <a:alphaOff val="0"/>
+              </a:schemeClr>
+            </a:lnRef>
+            <a:fillRef idx="1">
+              <a:schemeClr val="accent1">
+                <a:hueOff val="0"/>
+                <a:satOff val="0"/>
+                <a:lumOff val="0"/>
+                <a:alphaOff val="0"/>
+              </a:schemeClr>
+            </a:fillRef>
+            <a:effectRef idx="0">
+              <a:schemeClr val="accent1">
+                <a:hueOff val="0"/>
+                <a:satOff val="0"/>
+                <a:lumOff val="0"/>
+                <a:alphaOff val="0"/>
+              </a:schemeClr>
+            </a:effectRef>
+            <a:fontRef idx="minor">
+              <a:schemeClr val="lt1"/>
+            </a:fontRef>
+          </p:style>
+        </p:sp>
+        <p:sp>
+          <p:nvSpPr>
+            <p:cNvPr id="24" name="Freeform 23"/>
+            <p:cNvSpPr/>
+            <p:nvPr/>
+          </p:nvSpPr>
+          <p:spPr>
+            <a:xfrm>
+              <a:off x="12369641" y="14656446"/>
+              <a:ext cx="680084" cy="453389"/>
+            </a:xfrm>
+            <a:custGeom>
+              <a:avLst/>
+              <a:gdLst>
+                <a:gd name="connsiteX0" fmla="*/ 0 w 680084"/>
+                <a:gd name="connsiteY0" fmla="*/ 0 h 453389"/>
+                <a:gd name="connsiteX1" fmla="*/ 680084 w 680084"/>
+                <a:gd name="connsiteY1" fmla="*/ 0 h 453389"/>
+                <a:gd name="connsiteX2" fmla="*/ 680084 w 680084"/>
+                <a:gd name="connsiteY2" fmla="*/ 453389 h 453389"/>
+                <a:gd name="connsiteX3" fmla="*/ 0 w 680084"/>
+                <a:gd name="connsiteY3" fmla="*/ 453389 h 453389"/>
+                <a:gd name="connsiteX4" fmla="*/ 0 w 680084"/>
+                <a:gd name="connsiteY4" fmla="*/ 0 h 453389"/>
+              </a:gdLst>
+              <a:ahLst/>
+              <a:cxnLst>
+                <a:cxn ang="0">
+                  <a:pos x="connsiteX0" y="connsiteY0"/>
+                </a:cxn>
+                <a:cxn ang="0">
+                  <a:pos x="connsiteX1" y="connsiteY1"/>
+                </a:cxn>
+                <a:cxn ang="0">
+                  <a:pos x="connsiteX2" y="connsiteY2"/>
+                </a:cxn>
+                <a:cxn ang="0">
+                  <a:pos x="connsiteX3" y="connsiteY3"/>
+                </a:cxn>
+                <a:cxn ang="0">
+                  <a:pos x="connsiteX4" y="connsiteY4"/>
+                </a:cxn>
+              </a:cxnLst>
+              <a:rect l="l" t="t" r="r" b="b"/>
+              <a:pathLst>
+                <a:path w="680084" h="453389">
+                  <a:moveTo>
+                    <a:pt x="0" y="0"/>
+                  </a:moveTo>
+                  <a:lnTo>
+                    <a:pt x="680084" y="0"/>
+                  </a:lnTo>
+                  <a:lnTo>
+                    <a:pt x="680084" y="453389"/>
+                  </a:lnTo>
+                  <a:lnTo>
+                    <a:pt x="0" y="453389"/>
+                  </a:lnTo>
+                  <a:lnTo>
+                    <a:pt x="0" y="0"/>
+                  </a:lnTo>
+                  <a:close/>
+                </a:path>
+              </a:pathLst>
+            </a:custGeom>
+          </p:spPr>
+          <p:style>
+            <a:lnRef idx="0">
+              <a:schemeClr val="dk1">
+                <a:alpha val="0"/>
+                <a:hueOff val="0"/>
+                <a:satOff val="0"/>
+                <a:lumOff val="0"/>
+                <a:alphaOff val="0"/>
+              </a:schemeClr>
+            </a:lnRef>
+            <a:fillRef idx="0">
+              <a:schemeClr val="lt1">
+                <a:alpha val="0"/>
+                <a:hueOff val="0"/>
+                <a:satOff val="0"/>
+                <a:lumOff val="0"/>
+                <a:alphaOff val="0"/>
+              </a:schemeClr>
+            </a:fillRef>
+            <a:effectRef idx="0">
+              <a:schemeClr val="lt1">
+                <a:alpha val="0"/>
+                <a:hueOff val="0"/>
+                <a:satOff val="0"/>
+                <a:lumOff val="0"/>
+                <a:alphaOff val="0"/>
+              </a:schemeClr>
+            </a:effectRef>
+            <a:fontRef idx="minor">
+              <a:schemeClr val="tx1">
+                <a:hueOff val="0"/>
+                <a:satOff val="0"/>
+                <a:lumOff val="0"/>
+                <a:alphaOff val="0"/>
+              </a:schemeClr>
+            </a:fontRef>
+          </p:style>
+          <p:txBody>
+            <a:bodyPr spcFirstLastPara="0" vert="horz" wrap="square" lIns="80010" tIns="80010" rIns="80010" bIns="80010" numCol="1" spcCol="1270" anchor="ctr" anchorCtr="0">
+              <a:noAutofit/>
+            </a:bodyPr>
+            <a:lstStyle/>
+            <a:p>
+              <a:pPr lvl="0" algn="l" defTabSz="933450">
+                <a:lnSpc>
+                  <a:spcPct val="90000"/>
+                </a:lnSpc>
+                <a:spcBef>
+                  <a:spcPct val="0"/>
+                </a:spcBef>
+                <a:spcAft>
+                  <a:spcPct val="35000"/>
+                </a:spcAft>
+              </a:pPr>
+              <a:endParaRPr lang="en-US" sz="2100" kern="1200" dirty="0"/>
+            </a:p>
+          </p:txBody>
+        </p:sp>
+        <p:sp>
+          <p:nvSpPr>
+            <p:cNvPr id="25" name="Oval 24"/>
+            <p:cNvSpPr/>
+            <p:nvPr/>
+          </p:nvSpPr>
+          <p:spPr>
+            <a:xfrm>
+              <a:off x="13786485" y="14061371"/>
+              <a:ext cx="453389" cy="453389"/>
+            </a:xfrm>
+            <a:prstGeom prst="ellipse">
+              <a:avLst/>
+            </a:prstGeom>
+          </p:spPr>
+          <p:style>
+            <a:lnRef idx="2">
+              <a:schemeClr val="lt1">
+                <a:hueOff val="0"/>
+                <a:satOff val="0"/>
+                <a:lumOff val="0"/>
+                <a:alphaOff val="0"/>
+              </a:schemeClr>
+            </a:lnRef>
+            <a:fillRef idx="1">
+              <a:schemeClr val="accent1">
+                <a:hueOff val="0"/>
+                <a:satOff val="0"/>
+                <a:lumOff val="0"/>
+                <a:alphaOff val="0"/>
+              </a:schemeClr>
+            </a:fillRef>
+            <a:effectRef idx="0">
+              <a:schemeClr val="accent1">
+                <a:hueOff val="0"/>
+                <a:satOff val="0"/>
+                <a:lumOff val="0"/>
+                <a:alphaOff val="0"/>
+              </a:schemeClr>
+            </a:effectRef>
+            <a:fontRef idx="minor">
+              <a:schemeClr val="lt1"/>
+            </a:fontRef>
+          </p:style>
+        </p:sp>
+        <p:sp>
+          <p:nvSpPr>
+            <p:cNvPr id="26" name="Freeform 25"/>
+            <p:cNvSpPr/>
+            <p:nvPr/>
+          </p:nvSpPr>
+          <p:spPr>
+            <a:xfrm>
+              <a:off x="14239874" y="14060238"/>
+              <a:ext cx="680084" cy="453389"/>
+            </a:xfrm>
+            <a:custGeom>
+              <a:avLst/>
+              <a:gdLst>
+                <a:gd name="connsiteX0" fmla="*/ 0 w 680084"/>
+                <a:gd name="connsiteY0" fmla="*/ 0 h 453389"/>
+                <a:gd name="connsiteX1" fmla="*/ 680084 w 680084"/>
+                <a:gd name="connsiteY1" fmla="*/ 0 h 453389"/>
+                <a:gd name="connsiteX2" fmla="*/ 680084 w 680084"/>
+                <a:gd name="connsiteY2" fmla="*/ 453389 h 453389"/>
+                <a:gd name="connsiteX3" fmla="*/ 0 w 680084"/>
+                <a:gd name="connsiteY3" fmla="*/ 453389 h 453389"/>
+                <a:gd name="connsiteX4" fmla="*/ 0 w 680084"/>
+                <a:gd name="connsiteY4" fmla="*/ 0 h 453389"/>
+              </a:gdLst>
+              <a:ahLst/>
+              <a:cxnLst>
+                <a:cxn ang="0">
+                  <a:pos x="connsiteX0" y="connsiteY0"/>
+                </a:cxn>
+                <a:cxn ang="0">
+                  <a:pos x="connsiteX1" y="connsiteY1"/>
+                </a:cxn>
+                <a:cxn ang="0">
+                  <a:pos x="connsiteX2" y="connsiteY2"/>
+                </a:cxn>
+                <a:cxn ang="0">
+                  <a:pos x="connsiteX3" y="connsiteY3"/>
+                </a:cxn>
+                <a:cxn ang="0">
+                  <a:pos x="connsiteX4" y="connsiteY4"/>
+                </a:cxn>
+              </a:cxnLst>
+              <a:rect l="l" t="t" r="r" b="b"/>
+              <a:pathLst>
+                <a:path w="680084" h="453389">
+                  <a:moveTo>
+                    <a:pt x="0" y="0"/>
+                  </a:moveTo>
+                  <a:lnTo>
+                    <a:pt x="680084" y="0"/>
+                  </a:lnTo>
+                  <a:lnTo>
+                    <a:pt x="680084" y="453389"/>
+                  </a:lnTo>
+                  <a:lnTo>
+                    <a:pt x="0" y="453389"/>
+                  </a:lnTo>
+                  <a:lnTo>
+                    <a:pt x="0" y="0"/>
+                  </a:lnTo>
+                  <a:close/>
+                </a:path>
+              </a:pathLst>
+            </a:custGeom>
+          </p:spPr>
+          <p:style>
+            <a:lnRef idx="0">
+              <a:schemeClr val="dk1">
+                <a:alpha val="0"/>
+                <a:hueOff val="0"/>
+                <a:satOff val="0"/>
+                <a:lumOff val="0"/>
+                <a:alphaOff val="0"/>
+              </a:schemeClr>
+            </a:lnRef>
+            <a:fillRef idx="0">
+              <a:schemeClr val="lt1">
+                <a:alpha val="0"/>
+                <a:hueOff val="0"/>
+                <a:satOff val="0"/>
+                <a:lumOff val="0"/>
+                <a:alphaOff val="0"/>
+              </a:schemeClr>
+            </a:fillRef>
+            <a:effectRef idx="0">
+              <a:schemeClr val="lt1">
+                <a:alpha val="0"/>
+                <a:hueOff val="0"/>
+                <a:satOff val="0"/>
+                <a:lumOff val="0"/>
+                <a:alphaOff val="0"/>
+              </a:schemeClr>
+            </a:effectRef>
+            <a:fontRef idx="minor">
+              <a:schemeClr val="tx1">
+                <a:hueOff val="0"/>
+                <a:satOff val="0"/>
+                <a:lumOff val="0"/>
+                <a:alphaOff val="0"/>
+              </a:schemeClr>
+            </a:fontRef>
+          </p:style>
+          <p:txBody>
+            <a:bodyPr spcFirstLastPara="0" vert="horz" wrap="square" lIns="80010" tIns="80010" rIns="80010" bIns="80010" numCol="1" spcCol="1270" anchor="ctr" anchorCtr="0">
+              <a:noAutofit/>
+            </a:bodyPr>
+            <a:lstStyle/>
+            <a:p>
+              <a:pPr lvl="0" algn="l" defTabSz="933450">
+                <a:lnSpc>
+                  <a:spcPct val="90000"/>
+                </a:lnSpc>
+                <a:spcBef>
+                  <a:spcPct val="0"/>
+                </a:spcBef>
+                <a:spcAft>
+                  <a:spcPct val="35000"/>
+                </a:spcAft>
+              </a:pPr>
+              <a:endParaRPr lang="en-US" sz="2100" kern="1200" dirty="0"/>
+            </a:p>
+          </p:txBody>
+        </p:sp>
+        <p:sp>
+          <p:nvSpPr>
+            <p:cNvPr id="27" name="Oval 26"/>
+            <p:cNvSpPr/>
+            <p:nvPr/>
+          </p:nvSpPr>
+          <p:spPr>
+            <a:xfrm>
+              <a:off x="13163073" y="14657579"/>
+              <a:ext cx="453389" cy="453389"/>
+            </a:xfrm>
+            <a:prstGeom prst="ellipse">
+              <a:avLst/>
+            </a:prstGeom>
+          </p:spPr>
+          <p:style>
+            <a:lnRef idx="2">
+              <a:schemeClr val="lt1">
+                <a:hueOff val="0"/>
+                <a:satOff val="0"/>
+                <a:lumOff val="0"/>
+                <a:alphaOff val="0"/>
+              </a:schemeClr>
+            </a:lnRef>
+            <a:fillRef idx="1">
+              <a:schemeClr val="accent1">
+                <a:hueOff val="0"/>
+                <a:satOff val="0"/>
+                <a:lumOff val="0"/>
+                <a:alphaOff val="0"/>
+              </a:schemeClr>
+            </a:fillRef>
+            <a:effectRef idx="0">
+              <a:schemeClr val="accent1">
+                <a:hueOff val="0"/>
+                <a:satOff val="0"/>
+                <a:lumOff val="0"/>
+                <a:alphaOff val="0"/>
+              </a:schemeClr>
+            </a:effectRef>
+            <a:fontRef idx="minor">
+              <a:schemeClr val="lt1"/>
+            </a:fontRef>
+          </p:style>
+        </p:sp>
+        <p:sp>
+          <p:nvSpPr>
+            <p:cNvPr id="30" name="Freeform 29"/>
+            <p:cNvSpPr/>
+            <p:nvPr/>
+          </p:nvSpPr>
+          <p:spPr>
+            <a:xfrm>
+              <a:off x="13616463" y="14656446"/>
+              <a:ext cx="680084" cy="453389"/>
+            </a:xfrm>
+            <a:custGeom>
+              <a:avLst/>
+              <a:gdLst>
+                <a:gd name="connsiteX0" fmla="*/ 0 w 680084"/>
+                <a:gd name="connsiteY0" fmla="*/ 0 h 453389"/>
+                <a:gd name="connsiteX1" fmla="*/ 680084 w 680084"/>
+                <a:gd name="connsiteY1" fmla="*/ 0 h 453389"/>
+                <a:gd name="connsiteX2" fmla="*/ 680084 w 680084"/>
+                <a:gd name="connsiteY2" fmla="*/ 453389 h 453389"/>
+                <a:gd name="connsiteX3" fmla="*/ 0 w 680084"/>
+                <a:gd name="connsiteY3" fmla="*/ 453389 h 453389"/>
+                <a:gd name="connsiteX4" fmla="*/ 0 w 680084"/>
+                <a:gd name="connsiteY4" fmla="*/ 0 h 453389"/>
+              </a:gdLst>
+              <a:ahLst/>
+              <a:cxnLst>
+                <a:cxn ang="0">
+                  <a:pos x="connsiteX0" y="connsiteY0"/>
+                </a:cxn>
+                <a:cxn ang="0">
+                  <a:pos x="connsiteX1" y="connsiteY1"/>
+                </a:cxn>
+                <a:cxn ang="0">
+                  <a:pos x="connsiteX2" y="connsiteY2"/>
+                </a:cxn>
+                <a:cxn ang="0">
+                  <a:pos x="connsiteX3" y="connsiteY3"/>
+                </a:cxn>
+                <a:cxn ang="0">
+                  <a:pos x="connsiteX4" y="connsiteY4"/>
+                </a:cxn>
+              </a:cxnLst>
+              <a:rect l="l" t="t" r="r" b="b"/>
+              <a:pathLst>
+                <a:path w="680084" h="453389">
+                  <a:moveTo>
+                    <a:pt x="0" y="0"/>
+                  </a:moveTo>
+                  <a:lnTo>
+                    <a:pt x="680084" y="0"/>
+                  </a:lnTo>
+                  <a:lnTo>
+                    <a:pt x="680084" y="453389"/>
+                  </a:lnTo>
+                  <a:lnTo>
+                    <a:pt x="0" y="453389"/>
+                  </a:lnTo>
+                  <a:lnTo>
+                    <a:pt x="0" y="0"/>
+                  </a:lnTo>
+                  <a:close/>
+                </a:path>
+              </a:pathLst>
+            </a:custGeom>
+          </p:spPr>
+          <p:style>
+            <a:lnRef idx="0">
+              <a:schemeClr val="dk1">
+                <a:alpha val="0"/>
+                <a:hueOff val="0"/>
+                <a:satOff val="0"/>
+                <a:lumOff val="0"/>
+                <a:alphaOff val="0"/>
+              </a:schemeClr>
+            </a:lnRef>
+            <a:fillRef idx="0">
+              <a:schemeClr val="lt1">
+                <a:alpha val="0"/>
+                <a:hueOff val="0"/>
+                <a:satOff val="0"/>
+                <a:lumOff val="0"/>
+                <a:alphaOff val="0"/>
+              </a:schemeClr>
+            </a:fillRef>
+            <a:effectRef idx="0">
+              <a:schemeClr val="lt1">
+                <a:alpha val="0"/>
+                <a:hueOff val="0"/>
+                <a:satOff val="0"/>
+                <a:lumOff val="0"/>
+                <a:alphaOff val="0"/>
+              </a:schemeClr>
+            </a:effectRef>
+            <a:fontRef idx="minor">
+              <a:schemeClr val="tx1">
+                <a:hueOff val="0"/>
+                <a:satOff val="0"/>
+                <a:lumOff val="0"/>
+                <a:alphaOff val="0"/>
+              </a:schemeClr>
+            </a:fontRef>
+          </p:style>
+          <p:txBody>
+            <a:bodyPr spcFirstLastPara="0" vert="horz" wrap="square" lIns="80010" tIns="80010" rIns="80010" bIns="80010" numCol="1" spcCol="1270" anchor="ctr" anchorCtr="0">
+              <a:noAutofit/>
+            </a:bodyPr>
+            <a:lstStyle/>
+            <a:p>
+              <a:pPr lvl="0" algn="l" defTabSz="933450">
+                <a:lnSpc>
+                  <a:spcPct val="90000"/>
+                </a:lnSpc>
+                <a:spcBef>
+                  <a:spcPct val="0"/>
+                </a:spcBef>
+                <a:spcAft>
+                  <a:spcPct val="35000"/>
+                </a:spcAft>
+              </a:pPr>
+              <a:endParaRPr lang="en-US" sz="2100" kern="1200" dirty="0"/>
+            </a:p>
+          </p:txBody>
+        </p:sp>
+        <p:sp>
+          <p:nvSpPr>
+            <p:cNvPr id="31" name="Oval 30"/>
+            <p:cNvSpPr/>
+            <p:nvPr/>
+          </p:nvSpPr>
+          <p:spPr>
+            <a:xfrm>
+              <a:off x="14409896" y="14657579"/>
+              <a:ext cx="453389" cy="453389"/>
+            </a:xfrm>
+            <a:prstGeom prst="ellipse">
+              <a:avLst/>
+            </a:prstGeom>
+          </p:spPr>
+          <p:style>
+            <a:lnRef idx="2">
+              <a:schemeClr val="lt1">
+                <a:hueOff val="0"/>
+                <a:satOff val="0"/>
+                <a:lumOff val="0"/>
+                <a:alphaOff val="0"/>
+              </a:schemeClr>
+            </a:lnRef>
+            <a:fillRef idx="1">
+              <a:schemeClr val="accent1">
+                <a:hueOff val="0"/>
+                <a:satOff val="0"/>
+                <a:lumOff val="0"/>
+                <a:alphaOff val="0"/>
+              </a:schemeClr>
+            </a:fillRef>
+            <a:effectRef idx="0">
+              <a:schemeClr val="accent1">
+                <a:hueOff val="0"/>
+                <a:satOff val="0"/>
+                <a:lumOff val="0"/>
+                <a:alphaOff val="0"/>
+              </a:schemeClr>
+            </a:effectRef>
+            <a:fontRef idx="minor">
+              <a:schemeClr val="lt1"/>
+            </a:fontRef>
+          </p:style>
+        </p:sp>
+        <p:sp>
+          <p:nvSpPr>
+            <p:cNvPr id="32" name="Freeform 31"/>
+            <p:cNvSpPr/>
+            <p:nvPr/>
+          </p:nvSpPr>
+          <p:spPr>
+            <a:xfrm>
+              <a:off x="14863286" y="14656446"/>
+              <a:ext cx="680084" cy="453389"/>
+            </a:xfrm>
+            <a:custGeom>
+              <a:avLst/>
+              <a:gdLst>
+                <a:gd name="connsiteX0" fmla="*/ 0 w 680084"/>
+                <a:gd name="connsiteY0" fmla="*/ 0 h 453389"/>
+                <a:gd name="connsiteX1" fmla="*/ 680084 w 680084"/>
+                <a:gd name="connsiteY1" fmla="*/ 0 h 453389"/>
+                <a:gd name="connsiteX2" fmla="*/ 680084 w 680084"/>
+                <a:gd name="connsiteY2" fmla="*/ 453389 h 453389"/>
+                <a:gd name="connsiteX3" fmla="*/ 0 w 680084"/>
+                <a:gd name="connsiteY3" fmla="*/ 453389 h 453389"/>
+                <a:gd name="connsiteX4" fmla="*/ 0 w 680084"/>
+                <a:gd name="connsiteY4" fmla="*/ 0 h 453389"/>
+              </a:gdLst>
+              <a:ahLst/>
+              <a:cxnLst>
+                <a:cxn ang="0">
+                  <a:pos x="connsiteX0" y="connsiteY0"/>
+                </a:cxn>
+                <a:cxn ang="0">
+                  <a:pos x="connsiteX1" y="connsiteY1"/>
+                </a:cxn>
+                <a:cxn ang="0">
+                  <a:pos x="connsiteX2" y="connsiteY2"/>
+                </a:cxn>
+                <a:cxn ang="0">
+                  <a:pos x="connsiteX3" y="connsiteY3"/>
+                </a:cxn>
+                <a:cxn ang="0">
+                  <a:pos x="connsiteX4" y="connsiteY4"/>
+                </a:cxn>
+              </a:cxnLst>
+              <a:rect l="l" t="t" r="r" b="b"/>
+              <a:pathLst>
+                <a:path w="680084" h="453389">
+                  <a:moveTo>
+                    <a:pt x="0" y="0"/>
+                  </a:moveTo>
+                  <a:lnTo>
+                    <a:pt x="680084" y="0"/>
+                  </a:lnTo>
+                  <a:lnTo>
+                    <a:pt x="680084" y="453389"/>
+                  </a:lnTo>
+                  <a:lnTo>
+                    <a:pt x="0" y="453389"/>
+                  </a:lnTo>
+                  <a:lnTo>
+                    <a:pt x="0" y="0"/>
+                  </a:lnTo>
+                  <a:close/>
+                </a:path>
+              </a:pathLst>
+            </a:custGeom>
+          </p:spPr>
+          <p:style>
+            <a:lnRef idx="0">
+              <a:schemeClr val="dk1">
+                <a:alpha val="0"/>
+                <a:hueOff val="0"/>
+                <a:satOff val="0"/>
+                <a:lumOff val="0"/>
+                <a:alphaOff val="0"/>
+              </a:schemeClr>
+            </a:lnRef>
+            <a:fillRef idx="0">
+              <a:schemeClr val="lt1">
+                <a:alpha val="0"/>
+                <a:hueOff val="0"/>
+                <a:satOff val="0"/>
+                <a:lumOff val="0"/>
+                <a:alphaOff val="0"/>
+              </a:schemeClr>
+            </a:fillRef>
+            <a:effectRef idx="0">
+              <a:schemeClr val="lt1">
+                <a:alpha val="0"/>
+                <a:hueOff val="0"/>
+                <a:satOff val="0"/>
+                <a:lumOff val="0"/>
+                <a:alphaOff val="0"/>
+              </a:schemeClr>
+            </a:effectRef>
+            <a:fontRef idx="minor">
+              <a:schemeClr val="tx1">
+                <a:hueOff val="0"/>
+                <a:satOff val="0"/>
+                <a:lumOff val="0"/>
+                <a:alphaOff val="0"/>
+              </a:schemeClr>
+            </a:fontRef>
+          </p:style>
+          <p:txBody>
+            <a:bodyPr spcFirstLastPara="0" vert="horz" wrap="square" lIns="80010" tIns="80010" rIns="80010" bIns="80010" numCol="1" spcCol="1270" anchor="ctr" anchorCtr="0">
+              <a:noAutofit/>
+            </a:bodyPr>
+            <a:lstStyle/>
+            <a:p>
+              <a:pPr lvl="0" algn="l" defTabSz="933450">
+                <a:lnSpc>
+                  <a:spcPct val="90000"/>
+                </a:lnSpc>
+                <a:spcBef>
+                  <a:spcPct val="0"/>
+                </a:spcBef>
+                <a:spcAft>
+                  <a:spcPct val="35000"/>
+                </a:spcAft>
+              </a:pPr>
+              <a:endParaRPr lang="en-US" sz="2100" kern="1200" dirty="0"/>
+            </a:p>
+          </p:txBody>
+        </p:sp>
+      </p:grpSp>
+      <p:sp>
+        <p:nvSpPr>
+          <p:cNvPr id="48" name="TextBox 47"/>
+          <p:cNvSpPr txBox="1"/>
+          <p:nvPr/>
+        </p:nvSpPr>
+        <p:spPr>
+          <a:xfrm>
+            <a:off x="9775032" y="15240001"/>
+            <a:ext cx="5998368" cy="1938992"/>
+          </a:xfrm>
+          <a:prstGeom prst="rect">
+            <a:avLst/>
+          </a:prstGeom>
+          <a:noFill/>
+        </p:spPr>
+        <p:txBody>
+          <a:bodyPr wrap="square" rtlCol="0">
+            <a:spAutoFit/>
+          </a:bodyPr>
+          <a:lstStyle/>
+          <a:p>
+            <a:pPr algn="ctr"/>
+            <a:r>
+              <a:rPr lang="en-US" sz="4000" dirty="0" smtClean="0"/>
+              <a:t>Create and balance binary tree of white rectangles</a:t>
+            </a:r>
+            <a:endParaRPr lang="en-US" sz="4000" dirty="0"/>
+          </a:p>
+        </p:txBody>
+      </p:sp>
+      <p:sp>
+        <p:nvSpPr>
+          <p:cNvPr id="49" name="Rectangle 48"/>
+          <p:cNvSpPr/>
+          <p:nvPr/>
+        </p:nvSpPr>
+        <p:spPr>
+          <a:xfrm>
+            <a:off x="7848600" y="13182600"/>
+            <a:ext cx="1828800" cy="2057400"/>
+          </a:xfrm>
+          <a:prstGeom prst="rect">
+            <a:avLst/>
+          </a:prstGeom>
+          <a:noFill/>
+        </p:spPr>
+        <p:style>
+          <a:lnRef idx="2">
+            <a:schemeClr val="accent1">
+              <a:shade val="50000"/>
+            </a:schemeClr>
+          </a:lnRef>
+          <a:fillRef idx="1">
+            <a:schemeClr val="accent1"/>
+          </a:fillRef>
+          <a:effectRef idx="0">
+            <a:schemeClr val="accent1"/>
+          </a:effectRef>
+          <a:fontRef idx="minor">
+            <a:schemeClr val="lt1"/>
+          </a:fontRef>
+        </p:style>
+        <p:txBody>
+          <a:bodyPr rtlCol="0" anchor="ctr"/>
+          <a:lstStyle/>
+          <a:p>
+            <a:pPr algn="ctr"/>
+            <a:endParaRPr lang="en-US"/>
+          </a:p>
+        </p:txBody>
+      </p:sp>
+      <p:sp>
+        <p:nvSpPr>
+          <p:cNvPr id="50" name="TextBox 49"/>
+          <p:cNvSpPr txBox="1"/>
+          <p:nvPr/>
+        </p:nvSpPr>
+        <p:spPr>
+          <a:xfrm>
+            <a:off x="7162800" y="15240001"/>
+            <a:ext cx="3200400" cy="1938992"/>
+          </a:xfrm>
+          <a:prstGeom prst="rect">
+            <a:avLst/>
+          </a:prstGeom>
+          <a:noFill/>
+        </p:spPr>
+        <p:txBody>
+          <a:bodyPr wrap="square" rtlCol="0">
+            <a:spAutoFit/>
+          </a:bodyPr>
+          <a:lstStyle/>
+          <a:p>
+            <a:pPr algn="ctr"/>
+            <a:r>
+              <a:rPr lang="en-US" sz="4000" dirty="0" smtClean="0"/>
+              <a:t>Scan Image for black CCs</a:t>
+            </a:r>
+            <a:endParaRPr lang="en-US" sz="4000" dirty="0"/>
+          </a:p>
+        </p:txBody>
+      </p:sp>
+      <p:sp>
+        <p:nvSpPr>
+          <p:cNvPr id="51" name="TextBox 50"/>
+          <p:cNvSpPr txBox="1"/>
+          <p:nvPr/>
+        </p:nvSpPr>
+        <p:spPr>
+          <a:xfrm>
+            <a:off x="8229599" y="13792200"/>
+            <a:ext cx="1178719" cy="1569660"/>
+          </a:xfrm>
+          <a:prstGeom prst="rect">
+            <a:avLst/>
+          </a:prstGeom>
+          <a:noFill/>
+        </p:spPr>
+        <p:txBody>
+          <a:bodyPr wrap="square" rtlCol="0">
+            <a:spAutoFit/>
+          </a:bodyPr>
+          <a:lstStyle/>
+          <a:p>
+            <a:r>
+              <a:rPr lang="en-US" sz="2400" dirty="0" smtClean="0"/>
+              <a:t>EE </a:t>
+            </a:r>
+          </a:p>
+          <a:p>
+            <a:endParaRPr lang="en-US" sz="2400" dirty="0"/>
+          </a:p>
+          <a:p>
+            <a:r>
+              <a:rPr lang="en-US" sz="2400" dirty="0" smtClean="0"/>
+              <a:t>    368</a:t>
+            </a:r>
+          </a:p>
+          <a:p>
+            <a:endParaRPr lang="en-US" sz="2400" dirty="0" smtClean="0"/>
+          </a:p>
+        </p:txBody>
+      </p:sp>
+      <p:cxnSp>
+        <p:nvCxnSpPr>
+          <p:cNvPr id="53" name="Straight Connector 52"/>
+          <p:cNvCxnSpPr/>
+          <p:nvPr/>
+        </p:nvCxnSpPr>
+        <p:spPr>
+          <a:xfrm>
+            <a:off x="8229599" y="12877800"/>
+            <a:ext cx="0" cy="2514600"/>
+          </a:xfrm>
+          <a:prstGeom prst="line">
+            <a:avLst/>
+          </a:prstGeom>
+          <a:ln>
+            <a:solidFill>
+              <a:schemeClr val="accent2"/>
+            </a:solidFill>
+          </a:ln>
+        </p:spPr>
+        <p:style>
+          <a:lnRef idx="1">
+            <a:schemeClr val="accent1"/>
+          </a:lnRef>
+          <a:fillRef idx="0">
+            <a:schemeClr val="accent1"/>
+          </a:fillRef>
+          <a:effectRef idx="0">
+            <a:schemeClr val="accent1"/>
+          </a:effectRef>
+          <a:fontRef idx="minor">
+            <a:schemeClr val="tx1"/>
+          </a:fontRef>
+        </p:style>
+      </p:cxnSp>
+      <p:sp>
+        <p:nvSpPr>
+          <p:cNvPr id="55" name="TextBox 54"/>
+          <p:cNvSpPr txBox="1"/>
+          <p:nvPr/>
+        </p:nvSpPr>
+        <p:spPr>
+          <a:xfrm>
+            <a:off x="15871032" y="13427321"/>
+            <a:ext cx="2971800" cy="2954655"/>
+          </a:xfrm>
+          <a:prstGeom prst="rect">
+            <a:avLst/>
+          </a:prstGeom>
+          <a:noFill/>
+        </p:spPr>
+        <p:txBody>
+          <a:bodyPr wrap="square" rtlCol="0">
+            <a:spAutoFit/>
+          </a:bodyPr>
+          <a:lstStyle/>
+          <a:p>
+            <a:r>
+              <a:rPr lang="en-US" dirty="0" smtClean="0"/>
+              <a:t>Output image</a:t>
+            </a:r>
+          </a:p>
+          <a:p>
+            <a:r>
+              <a:rPr lang="en-US" dirty="0" smtClean="0"/>
+              <a:t>here</a:t>
+            </a:r>
+            <a:endParaRPr lang="en-US" dirty="0"/>
+          </a:p>
+        </p:txBody>
+      </p:sp>
+      <p:sp>
+        <p:nvSpPr>
+          <p:cNvPr id="56" name="TextBox 55"/>
+          <p:cNvSpPr txBox="1"/>
+          <p:nvPr/>
+        </p:nvSpPr>
+        <p:spPr>
+          <a:xfrm>
+            <a:off x="7162800" y="10570371"/>
+            <a:ext cx="3886200" cy="1323439"/>
+          </a:xfrm>
+          <a:prstGeom prst="rect">
+            <a:avLst/>
+          </a:prstGeom>
+          <a:noFill/>
+        </p:spPr>
+        <p:txBody>
+          <a:bodyPr wrap="square" rtlCol="0">
+            <a:spAutoFit/>
+          </a:bodyPr>
+          <a:lstStyle/>
+          <a:p>
+            <a:pPr algn="ctr"/>
+            <a:r>
+              <a:rPr lang="en-US" sz="4000" dirty="0" smtClean="0"/>
+              <a:t>Adaptive Local </a:t>
+            </a:r>
+            <a:r>
+              <a:rPr lang="en-US" sz="4000" dirty="0" err="1" smtClean="0"/>
+              <a:t>Binarization</a:t>
+            </a:r>
+            <a:endParaRPr lang="en-US" sz="4000" dirty="0"/>
+          </a:p>
+        </p:txBody>
+      </p:sp>
+      <p:sp>
+        <p:nvSpPr>
+          <p:cNvPr id="63" name="TextBox 62"/>
+          <p:cNvSpPr txBox="1"/>
+          <p:nvPr/>
+        </p:nvSpPr>
+        <p:spPr>
+          <a:xfrm>
+            <a:off x="11070432" y="10570370"/>
+            <a:ext cx="3886200" cy="1323439"/>
+          </a:xfrm>
+          <a:prstGeom prst="rect">
+            <a:avLst/>
+          </a:prstGeom>
+          <a:noFill/>
+        </p:spPr>
+        <p:txBody>
+          <a:bodyPr wrap="square" rtlCol="0">
+            <a:spAutoFit/>
+          </a:bodyPr>
+          <a:lstStyle/>
+          <a:p>
+            <a:pPr algn="ctr"/>
+            <a:r>
+              <a:rPr lang="en-US" sz="4000" dirty="0" smtClean="0"/>
+              <a:t>Skew Detection &amp; Correction</a:t>
+            </a:r>
+            <a:endParaRPr lang="en-US" sz="4000" dirty="0"/>
+          </a:p>
+        </p:txBody>
+      </p:sp>
+      <p:sp>
+        <p:nvSpPr>
+          <p:cNvPr id="64" name="TextBox 63"/>
+          <p:cNvSpPr txBox="1"/>
+          <p:nvPr/>
+        </p:nvSpPr>
+        <p:spPr>
+          <a:xfrm>
+            <a:off x="14956632" y="10559455"/>
+            <a:ext cx="3886200" cy="707886"/>
+          </a:xfrm>
+          <a:prstGeom prst="rect">
+            <a:avLst/>
+          </a:prstGeom>
+          <a:noFill/>
+        </p:spPr>
+        <p:txBody>
+          <a:bodyPr wrap="square" rtlCol="0">
+            <a:spAutoFit/>
+          </a:bodyPr>
+          <a:lstStyle/>
+          <a:p>
+            <a:r>
+              <a:rPr lang="en-US" sz="4000" dirty="0" smtClean="0"/>
+              <a:t>Margin Removal</a:t>
+            </a:r>
+            <a:endParaRPr lang="en-US" sz="4000" dirty="0"/>
+          </a:p>
+        </p:txBody>
+      </p:sp>
+      <p:sp>
+        <p:nvSpPr>
+          <p:cNvPr id="57" name="TextBox 56"/>
+          <p:cNvSpPr txBox="1"/>
+          <p:nvPr/>
+        </p:nvSpPr>
+        <p:spPr>
+          <a:xfrm>
+            <a:off x="20802600" y="8534398"/>
+            <a:ext cx="10972800" cy="5816977"/>
+          </a:xfrm>
+          <a:prstGeom prst="rect">
+            <a:avLst/>
+          </a:prstGeom>
+          <a:noFill/>
+        </p:spPr>
+        <p:txBody>
+          <a:bodyPr wrap="square" rtlCol="0">
+            <a:spAutoFit/>
+          </a:bodyPr>
+          <a:lstStyle/>
+          <a:p>
+            <a:r>
+              <a:rPr lang="en-US" dirty="0" smtClean="0"/>
+              <a:t>Screenshot of Something w/ phone</a:t>
+            </a:r>
+            <a:endParaRPr lang="en-US" dirty="0"/>
+          </a:p>
+          <a:p>
+            <a:r>
+              <a:rPr lang="en-US" dirty="0" smtClean="0"/>
+              <a:t>Mention server use?</a:t>
+            </a:r>
+          </a:p>
+          <a:p>
+            <a:r>
+              <a:rPr lang="en-US" dirty="0" smtClean="0"/>
+              <a:t>Or perhaps this section should just be results beyond what methodology shows?</a:t>
+            </a:r>
+            <a:endParaRPr lang="en-US" dirty="0"/>
+          </a:p>
+        </p:txBody>
+      </p:sp>
+      <p:sp>
+        <p:nvSpPr>
+          <p:cNvPr id="66" name="Rounded Rectangle 65"/>
+          <p:cNvSpPr/>
+          <p:nvPr/>
+        </p:nvSpPr>
+        <p:spPr>
+          <a:xfrm>
+            <a:off x="19735800" y="15240001"/>
+            <a:ext cx="12703175" cy="3200400"/>
+          </a:xfrm>
+          <a:prstGeom prst="roundRect">
+            <a:avLst>
+              <a:gd name="adj" fmla="val 3786"/>
+            </a:avLst>
+          </a:prstGeom>
+          <a:noFill/>
+          <a:ln w="57150">
+            <a:solidFill>
+              <a:srgbClr val="C00000"/>
+            </a:solidFill>
+          </a:ln>
+        </p:spPr>
+        <p:style>
+          <a:lnRef idx="2">
+            <a:schemeClr val="accent1">
+              <a:shade val="50000"/>
+            </a:schemeClr>
+          </a:lnRef>
+          <a:fillRef idx="1">
+            <a:schemeClr val="accent1"/>
+          </a:fillRef>
+          <a:effectRef idx="0">
+            <a:schemeClr val="accent1"/>
+          </a:effectRef>
+          <a:fontRef idx="minor">
+            <a:schemeClr val="lt1"/>
+          </a:fontRef>
+        </p:style>
+        <p:txBody>
+          <a:bodyPr lIns="78373" tIns="39187" rIns="78373" bIns="39187" anchor="ctr"/>
+          <a:lstStyle/>
+          <a:p>
+            <a:pPr algn="ctr" defTabSz="3134929">
+              <a:defRPr/>
+            </a:pPr>
+            <a:endParaRPr kumimoji="0" lang="zh-TW" altLang="en-US">
+              <a:solidFill>
+                <a:srgbClr val="FFFFFF"/>
+              </a:solidFill>
+              <a:latin typeface="Helvetica" pitchFamily="34" charset="0"/>
+            </a:endParaRPr>
+          </a:p>
+        </p:txBody>
+      </p:sp>
+      <p:sp>
+        <p:nvSpPr>
+          <p:cNvPr id="67" name="TextBox 112"/>
+          <p:cNvSpPr txBox="1">
+            <a:spLocks noChangeArrowheads="1"/>
+          </p:cNvSpPr>
+          <p:nvPr/>
+        </p:nvSpPr>
+        <p:spPr bwMode="auto">
+          <a:xfrm>
+            <a:off x="19812000" y="15392400"/>
+            <a:ext cx="12336463" cy="863970"/>
+          </a:xfrm>
+          <a:prstGeom prst="rect">
+            <a:avLst/>
+          </a:prstGeom>
+          <a:noFill/>
+          <a:ln>
+            <a:noFill/>
+          </a:ln>
+          <a:extLst>
+            <a:ext uri="{909E8E84-426E-40DD-AFC4-6F175D3DCCD1}">
+              <a14:hiddenFill xmlns:a14="http://schemas.microsoft.com/office/drawing/2010/main">
+                <a:solidFill>
+                  <a:srgbClr val="FFFFFF"/>
+                </a:solidFill>
+              </a14:hiddenFill>
+            </a:ext>
+            <a:ext uri="{91240B29-F687-4F45-9708-019B960494DF}">
+              <a14:hiddenLine xmlns:a14="http://schemas.microsoft.com/office/drawing/2010/main" w="9525">
+                <a:solidFill>
+                  <a:srgbClr val="000000"/>
+                </a:solidFill>
+                <a:miter lim="800000"/>
+                <a:headEnd/>
+                <a:tailEnd/>
+              </a14:hiddenLine>
+            </a:ext>
+          </a:extLst>
+        </p:spPr>
+        <p:txBody>
+          <a:bodyPr wrap="square" lIns="78373" tIns="39187" rIns="78373" bIns="39187">
+            <a:spAutoFit/>
+          </a:bodyPr>
+          <a:lstStyle>
+            <a:lvl1pPr eaLnBrk="0" hangingPunct="0">
+              <a:defRPr kumimoji="1" sz="6200">
+                <a:solidFill>
+                  <a:schemeClr val="tx1"/>
+                </a:solidFill>
+                <a:latin typeface="Arial" panose="020B0604020202020204" pitchFamily="34" charset="0"/>
+                <a:ea typeface="PMingLiU" panose="02020500000000000000" pitchFamily="18" charset="-120"/>
+              </a:defRPr>
+            </a:lvl1pPr>
+            <a:lvl2pPr marL="742950" indent="-285750" eaLnBrk="0" hangingPunct="0">
+              <a:defRPr kumimoji="1" sz="6200">
+                <a:solidFill>
+                  <a:schemeClr val="tx1"/>
+                </a:solidFill>
+                <a:latin typeface="Arial" panose="020B0604020202020204" pitchFamily="34" charset="0"/>
+                <a:ea typeface="PMingLiU" panose="02020500000000000000" pitchFamily="18" charset="-120"/>
+              </a:defRPr>
+            </a:lvl2pPr>
+            <a:lvl3pPr marL="1143000" indent="-228600" eaLnBrk="0" hangingPunct="0">
+              <a:defRPr kumimoji="1" sz="6200">
+                <a:solidFill>
+                  <a:schemeClr val="tx1"/>
+                </a:solidFill>
+                <a:latin typeface="Arial" panose="020B0604020202020204" pitchFamily="34" charset="0"/>
+                <a:ea typeface="PMingLiU" panose="02020500000000000000" pitchFamily="18" charset="-120"/>
+              </a:defRPr>
+            </a:lvl3pPr>
+            <a:lvl4pPr marL="1600200" indent="-228600" eaLnBrk="0" hangingPunct="0">
+              <a:defRPr kumimoji="1" sz="6200">
+                <a:solidFill>
+                  <a:schemeClr val="tx1"/>
+                </a:solidFill>
+                <a:latin typeface="Arial" panose="020B0604020202020204" pitchFamily="34" charset="0"/>
+                <a:ea typeface="PMingLiU" panose="02020500000000000000" pitchFamily="18" charset="-120"/>
+              </a:defRPr>
+            </a:lvl4pPr>
+            <a:lvl5pPr marL="2057400" indent="-228600" eaLnBrk="0" hangingPunct="0">
+              <a:defRPr kumimoji="1" sz="6200">
+                <a:solidFill>
+                  <a:schemeClr val="tx1"/>
+                </a:solidFill>
+                <a:latin typeface="Arial" panose="020B0604020202020204" pitchFamily="34" charset="0"/>
+                <a:ea typeface="PMingLiU" panose="02020500000000000000" pitchFamily="18" charset="-120"/>
+              </a:defRPr>
+            </a:lvl5pPr>
+            <a:lvl6pPr marL="2514600" indent="-228600" defTabSz="3133725" eaLnBrk="0" fontAlgn="base" hangingPunct="0">
+              <a:spcBef>
+                <a:spcPct val="0"/>
+              </a:spcBef>
+              <a:spcAft>
+                <a:spcPct val="0"/>
+              </a:spcAft>
+              <a:defRPr kumimoji="1" sz="6200">
+                <a:solidFill>
+                  <a:schemeClr val="tx1"/>
+                </a:solidFill>
+                <a:latin typeface="Arial" panose="020B0604020202020204" pitchFamily="34" charset="0"/>
+                <a:ea typeface="PMingLiU" panose="02020500000000000000" pitchFamily="18" charset="-120"/>
+              </a:defRPr>
+            </a:lvl6pPr>
+            <a:lvl7pPr marL="2971800" indent="-228600" defTabSz="3133725" eaLnBrk="0" fontAlgn="base" hangingPunct="0">
+              <a:spcBef>
+                <a:spcPct val="0"/>
+              </a:spcBef>
+              <a:spcAft>
+                <a:spcPct val="0"/>
+              </a:spcAft>
+              <a:defRPr kumimoji="1" sz="6200">
+                <a:solidFill>
+                  <a:schemeClr val="tx1"/>
+                </a:solidFill>
+                <a:latin typeface="Arial" panose="020B0604020202020204" pitchFamily="34" charset="0"/>
+                <a:ea typeface="PMingLiU" panose="02020500000000000000" pitchFamily="18" charset="-120"/>
+              </a:defRPr>
+            </a:lvl7pPr>
+            <a:lvl8pPr marL="3429000" indent="-228600" defTabSz="3133725" eaLnBrk="0" fontAlgn="base" hangingPunct="0">
+              <a:spcBef>
+                <a:spcPct val="0"/>
+              </a:spcBef>
+              <a:spcAft>
+                <a:spcPct val="0"/>
+              </a:spcAft>
+              <a:defRPr kumimoji="1" sz="6200">
+                <a:solidFill>
+                  <a:schemeClr val="tx1"/>
+                </a:solidFill>
+                <a:latin typeface="Arial" panose="020B0604020202020204" pitchFamily="34" charset="0"/>
+                <a:ea typeface="PMingLiU" panose="02020500000000000000" pitchFamily="18" charset="-120"/>
+              </a:defRPr>
+            </a:lvl8pPr>
+            <a:lvl9pPr marL="3886200" indent="-228600" defTabSz="3133725" eaLnBrk="0" fontAlgn="base" hangingPunct="0">
+              <a:spcBef>
+                <a:spcPct val="0"/>
+              </a:spcBef>
+              <a:spcAft>
+                <a:spcPct val="0"/>
+              </a:spcAft>
+              <a:defRPr kumimoji="1" sz="6200">
+                <a:solidFill>
+                  <a:schemeClr val="tx1"/>
+                </a:solidFill>
+                <a:latin typeface="Arial" panose="020B0604020202020204" pitchFamily="34" charset="0"/>
+                <a:ea typeface="PMingLiU" panose="02020500000000000000" pitchFamily="18" charset="-120"/>
+              </a:defRPr>
+            </a:lvl9pPr>
+          </a:lstStyle>
+          <a:p>
+            <a:pPr algn="ctr" eaLnBrk="1" hangingPunct="1"/>
+            <a:r>
+              <a:rPr kumimoji="0" lang="en-US" altLang="zh-TW" sz="5100" b="1" dirty="0" smtClean="0">
+                <a:latin typeface="Helvetica" panose="020B0604020202020204" pitchFamily="34" charset="0"/>
+              </a:rPr>
+              <a:t>Future Work</a:t>
+            </a:r>
+            <a:endParaRPr kumimoji="0" lang="zh-TW" altLang="en-US" sz="5100" b="1" dirty="0">
+              <a:latin typeface="Helvetica" panose="020B0604020202020204" pitchFamily="34" charset="0"/>
+            </a:endParaRPr>
+          </a:p>
+        </p:txBody>
+      </p:sp>
+      <p:sp>
+        <p:nvSpPr>
+          <p:cNvPr id="68" name="TextBox 67"/>
+          <p:cNvSpPr txBox="1"/>
+          <p:nvPr/>
+        </p:nvSpPr>
+        <p:spPr>
+          <a:xfrm>
+            <a:off x="19964400" y="16230600"/>
+            <a:ext cx="12107863" cy="2062103"/>
+          </a:xfrm>
+          <a:prstGeom prst="rect">
+            <a:avLst/>
+          </a:prstGeom>
+          <a:noFill/>
+        </p:spPr>
+        <p:txBody>
+          <a:bodyPr wrap="square" rtlCol="0">
+            <a:spAutoFit/>
+          </a:bodyPr>
+          <a:lstStyle/>
+          <a:p>
+            <a:pPr marL="514350" indent="-514350">
+              <a:buFont typeface="+mj-lt"/>
+              <a:buAutoNum type="arabicPeriod"/>
+            </a:pPr>
+            <a:r>
+              <a:rPr lang="en-US" sz="3200" dirty="0" smtClean="0"/>
+              <a:t>Use </a:t>
+            </a:r>
+            <a:r>
+              <a:rPr lang="en-US" sz="3200" dirty="0" smtClean="0"/>
+              <a:t>the results of layout decomposition to </a:t>
+            </a:r>
+            <a:r>
+              <a:rPr lang="en-US" sz="3200" dirty="0" smtClean="0"/>
+              <a:t>generate code for a </a:t>
+            </a:r>
+            <a:r>
+              <a:rPr lang="en-US" sz="3200" dirty="0" err="1" smtClean="0"/>
+              <a:t>LaTeX</a:t>
+            </a:r>
+            <a:r>
+              <a:rPr lang="en-US" sz="3200" dirty="0" smtClean="0"/>
+              <a:t> template for the given document </a:t>
+            </a:r>
+            <a:endParaRPr lang="en-US" sz="3200" dirty="0" smtClean="0"/>
+          </a:p>
+          <a:p>
+            <a:pPr marL="514350" indent="-514350">
+              <a:buFont typeface="+mj-lt"/>
+              <a:buAutoNum type="arabicPeriod"/>
+            </a:pPr>
+            <a:r>
+              <a:rPr lang="en-US" sz="3200" dirty="0" smtClean="0"/>
+              <a:t>Add text recognition to generate the entire </a:t>
+            </a:r>
+            <a:r>
+              <a:rPr lang="en-US" sz="3200" dirty="0" err="1" smtClean="0"/>
+              <a:t>LaTeX</a:t>
+            </a:r>
+            <a:r>
+              <a:rPr lang="en-US" sz="3200" smtClean="0"/>
+              <a:t> document</a:t>
+            </a:r>
+            <a:endParaRPr lang="en-US" sz="3200" dirty="0" smtClean="0"/>
+          </a:p>
+          <a:p>
+            <a:endParaRPr lang="en-US" sz="3200" dirty="0"/>
+          </a:p>
+        </p:txBody>
+      </p:sp>
+      <p:sp>
+        <p:nvSpPr>
+          <p:cNvPr id="4" name="TextBox 3"/>
+          <p:cNvSpPr txBox="1"/>
+          <p:nvPr/>
+        </p:nvSpPr>
+        <p:spPr>
+          <a:xfrm>
+            <a:off x="7162800" y="19735800"/>
+            <a:ext cx="4173794" cy="1323439"/>
+          </a:xfrm>
+          <a:prstGeom prst="rect">
+            <a:avLst/>
+          </a:prstGeom>
+          <a:noFill/>
+        </p:spPr>
+        <p:txBody>
+          <a:bodyPr wrap="square" rtlCol="0">
+            <a:spAutoFit/>
+          </a:bodyPr>
+          <a:lstStyle/>
+          <a:p>
+            <a:pPr algn="ctr"/>
+            <a:r>
+              <a:rPr lang="en-US" sz="4000" dirty="0" smtClean="0"/>
+              <a:t>Determine region (CC?) statistics</a:t>
+            </a:r>
+            <a:endParaRPr lang="en-US" sz="4000" dirty="0"/>
+          </a:p>
+        </p:txBody>
+      </p:sp>
+      <p:sp>
+        <p:nvSpPr>
+          <p:cNvPr id="29" name="TextBox 28"/>
+          <p:cNvSpPr txBox="1"/>
+          <p:nvPr/>
+        </p:nvSpPr>
+        <p:spPr>
+          <a:xfrm>
+            <a:off x="11201400" y="19812000"/>
+            <a:ext cx="4173794" cy="1323439"/>
+          </a:xfrm>
+          <a:prstGeom prst="rect">
+            <a:avLst/>
+          </a:prstGeom>
+          <a:noFill/>
+        </p:spPr>
+        <p:txBody>
+          <a:bodyPr wrap="square" rtlCol="0">
+            <a:spAutoFit/>
+          </a:bodyPr>
+          <a:lstStyle/>
+          <a:p>
+            <a:pPr algn="ctr"/>
+            <a:r>
+              <a:rPr lang="en-US" sz="4000" dirty="0" smtClean="0"/>
+              <a:t>Threshold to classify</a:t>
+            </a:r>
+            <a:endParaRPr lang="en-US" sz="4000" dirty="0"/>
+          </a:p>
+        </p:txBody>
+      </p:sp>
+      <p:sp>
+        <p:nvSpPr>
+          <p:cNvPr id="5" name="TextBox 4"/>
+          <p:cNvSpPr txBox="1"/>
+          <p:nvPr/>
+        </p:nvSpPr>
+        <p:spPr>
+          <a:xfrm>
+            <a:off x="8436768" y="17918667"/>
+            <a:ext cx="1926432" cy="1046440"/>
+          </a:xfrm>
+          <a:prstGeom prst="rect">
+            <a:avLst/>
+          </a:prstGeom>
+          <a:noFill/>
+          <a:ln>
+            <a:solidFill>
+              <a:schemeClr val="tx1"/>
+            </a:solidFill>
+          </a:ln>
+        </p:spPr>
+        <p:txBody>
+          <a:bodyPr wrap="square" rtlCol="0">
+            <a:spAutoFit/>
+          </a:bodyPr>
+          <a:lstStyle/>
+          <a:p>
+            <a:pPr algn="ctr"/>
+            <a:r>
+              <a:rPr lang="en-US" dirty="0" smtClean="0"/>
+              <a:t>368</a:t>
+            </a:r>
+            <a:endParaRPr lang="en-US" dirty="0"/>
+          </a:p>
+        </p:txBody>
+      </p:sp>
+      <p:pic>
+        <p:nvPicPr>
+          <p:cNvPr id="33" name="Picture 32"/>
+          <p:cNvPicPr>
+            <a:picLocks noChangeAspect="1"/>
+          </p:cNvPicPr>
+          <p:nvPr/>
+        </p:nvPicPr>
+        <p:blipFill rotWithShape="1">
+          <a:blip r:embed="rId8" cstate="print">
+            <a:extLst>
+              <a:ext uri="{28A0092B-C50C-407E-A947-70E740481C1C}">
+                <a14:useLocalDpi xmlns:a14="http://schemas.microsoft.com/office/drawing/2010/main" val="0"/>
+              </a:ext>
+            </a:extLst>
+          </a:blip>
+          <a:srcRect l="5930" t="12561" r="11927" b="3312"/>
+          <a:stretch/>
+        </p:blipFill>
+        <p:spPr>
+          <a:xfrm>
+            <a:off x="7696200" y="17907001"/>
+            <a:ext cx="740568" cy="1142999"/>
+          </a:xfrm>
+          <a:prstGeom prst="rect">
+            <a:avLst/>
+          </a:prstGeom>
+        </p:spPr>
+      </p:pic>
+      <p:pic>
+        <p:nvPicPr>
+          <p:cNvPr id="34" name="Picture 33"/>
+          <p:cNvPicPr>
+            <a:picLocks noChangeAspect="1"/>
+          </p:cNvPicPr>
+          <p:nvPr/>
+        </p:nvPicPr>
+        <p:blipFill rotWithShape="1">
+          <a:blip r:embed="rId9" cstate="print">
+            <a:extLst>
+              <a:ext uri="{28A0092B-C50C-407E-A947-70E740481C1C}">
+                <a14:useLocalDpi xmlns:a14="http://schemas.microsoft.com/office/drawing/2010/main" val="0"/>
+              </a:ext>
+            </a:extLst>
+          </a:blip>
+          <a:srcRect l="8953" t="10368" r="11782" b="-5213"/>
+          <a:stretch/>
+        </p:blipFill>
+        <p:spPr>
+          <a:xfrm>
+            <a:off x="8338211" y="19050000"/>
+            <a:ext cx="2024989" cy="685800"/>
+          </a:xfrm>
+          <a:prstGeom prst="rect">
+            <a:avLst/>
+          </a:prstGeom>
+        </p:spPr>
+      </p:pic>
+      <p:cxnSp>
+        <p:nvCxnSpPr>
+          <p:cNvPr id="36" name="Straight Arrow Connector 35"/>
+          <p:cNvCxnSpPr/>
+          <p:nvPr/>
+        </p:nvCxnSpPr>
+        <p:spPr>
+          <a:xfrm>
+            <a:off x="8763000" y="17830800"/>
+            <a:ext cx="1219200" cy="0"/>
+          </a:xfrm>
+          <a:prstGeom prst="straightConnector1">
+            <a:avLst/>
+          </a:prstGeom>
+          <a:ln>
+            <a:headEnd type="triangle"/>
+            <a:tailEnd type="triangle"/>
+          </a:ln>
+        </p:spPr>
+        <p:style>
+          <a:lnRef idx="1">
+            <a:schemeClr val="accent1"/>
+          </a:lnRef>
+          <a:fillRef idx="0">
+            <a:schemeClr val="accent1"/>
+          </a:fillRef>
+          <a:effectRef idx="0">
+            <a:schemeClr val="accent1"/>
+          </a:effectRef>
+          <a:fontRef idx="minor">
+            <a:schemeClr val="tx1"/>
+          </a:fontRef>
+        </p:style>
+      </p:cxnSp>
+      <p:cxnSp>
+        <p:nvCxnSpPr>
+          <p:cNvPr id="58" name="Straight Arrow Connector 57"/>
+          <p:cNvCxnSpPr/>
+          <p:nvPr/>
+        </p:nvCxnSpPr>
+        <p:spPr>
+          <a:xfrm flipV="1">
+            <a:off x="10515600" y="18161370"/>
+            <a:ext cx="0" cy="583830"/>
+          </a:xfrm>
+          <a:prstGeom prst="straightConnector1">
+            <a:avLst/>
+          </a:prstGeom>
+          <a:ln>
+            <a:headEnd type="triangle"/>
+            <a:tailEnd type="triangle"/>
+          </a:ln>
+        </p:spPr>
+        <p:style>
+          <a:lnRef idx="1">
+            <a:schemeClr val="accent1"/>
+          </a:lnRef>
+          <a:fillRef idx="0">
+            <a:schemeClr val="accent1"/>
+          </a:fillRef>
+          <a:effectRef idx="0">
+            <a:schemeClr val="accent1"/>
+          </a:effectRef>
+          <a:fontRef idx="minor">
+            <a:schemeClr val="tx1"/>
+          </a:fontRef>
+        </p:style>
+      </p:cxnSp>
     </p:spTree>
   </p:cSld>
   <p:clrMapOvr>

--- a/PosterTemplate.pptx
+++ b/PosterTemplate.pptx
@@ -7442,8 +7442,8 @@
         </p:nvSpPr>
         <p:spPr>
           <a:xfrm>
-            <a:off x="19735800" y="18719429"/>
-            <a:ext cx="12703175" cy="2868189"/>
+            <a:off x="19735800" y="19024230"/>
+            <a:ext cx="12703175" cy="2563388"/>
           </a:xfrm>
           <a:prstGeom prst="roundRect">
             <a:avLst>
@@ -7499,7 +7499,7 @@
         </p:nvSpPr>
         <p:spPr bwMode="auto">
           <a:xfrm>
-            <a:off x="19850098" y="18795630"/>
+            <a:off x="19850098" y="19100430"/>
             <a:ext cx="12336463" cy="863970"/>
           </a:xfrm>
           <a:prstGeom prst="rect">
@@ -7663,7 +7663,7 @@
         <p:spPr>
           <a:xfrm>
             <a:off x="19735800" y="7294681"/>
-            <a:ext cx="12703175" cy="7609967"/>
+            <a:ext cx="12703175" cy="8554919"/>
           </a:xfrm>
           <a:prstGeom prst="roundRect">
             <a:avLst>
@@ -7866,7 +7866,7 @@
               <a:rPr kumimoji="0" lang="en-US" altLang="zh-TW" sz="5100" b="1" dirty="0" smtClean="0">
                 <a:latin typeface="Helvetica" panose="020B0604020202020204" pitchFamily="34" charset="0"/>
               </a:rPr>
-              <a:t>Android Application</a:t>
+              <a:t>Results</a:t>
             </a:r>
             <a:endParaRPr kumimoji="0" lang="zh-TW" altLang="en-US" sz="5100" b="1" dirty="0">
               <a:latin typeface="Helvetica" panose="020B0604020202020204" pitchFamily="34" charset="0"/>
@@ -7902,7 +7902,15 @@
             </a:r>
             <a:r>
               <a:rPr lang="en-US" sz="4000" dirty="0" smtClean="0"/>
-              <a:t> is a low-level markup and programming language that produces aesthetically pleasing PDF documents with diverse content. This project aims to analyze the layout of mobile images of </a:t>
+              <a:t> is a low-level markup and programming language that produces aesthetically pleasing PDF documents with diverse content. This project aims to analyze the layout of </a:t>
+            </a:r>
+            <a:r>
+              <a:rPr lang="en-US" sz="4000" dirty="0" smtClean="0"/>
+              <a:t>mobile images </a:t>
+            </a:r>
+            <a:r>
+              <a:rPr lang="en-US" sz="4000" dirty="0" smtClean="0"/>
+              <a:t>of </a:t>
             </a:r>
             <a:r>
               <a:rPr lang="en-US" sz="4000" dirty="0" err="1" smtClean="0"/>
@@ -7918,7 +7926,15 @@
             </a:r>
             <a:r>
               <a:rPr lang="en-US" sz="4000" dirty="0" smtClean="0"/>
-              <a:t> source code.</a:t>
+              <a:t> source code</a:t>
+            </a:r>
+            <a:r>
+              <a:rPr lang="en-US" sz="4000" dirty="0" smtClean="0"/>
+              <a:t>. Input is captured from an Android phone</a:t>
+            </a:r>
+            <a:r>
+              <a:rPr lang="en-US" sz="4000" dirty="0" smtClean="0"/>
+              <a:t>, and the results are computed on a server.</a:t>
             </a:r>
             <a:endParaRPr lang="en-US" sz="4000" dirty="0"/>
           </a:p>
@@ -7954,8 +7970,8 @@
         </p:nvSpPr>
         <p:spPr>
           <a:xfrm>
-            <a:off x="19964399" y="19735800"/>
-            <a:ext cx="12107863" cy="1569660"/>
+            <a:off x="19964399" y="19888200"/>
+            <a:ext cx="12336464" cy="1569660"/>
           </a:xfrm>
           <a:prstGeom prst="rect">
             <a:avLst/>
@@ -9908,57 +9924,14 @@
       </p:sp>
       <p:sp>
         <p:nvSpPr>
-          <p:cNvPr id="57" name="TextBox 56"/>
-          <p:cNvSpPr txBox="1"/>
-          <p:nvPr/>
-        </p:nvSpPr>
-        <p:spPr>
-          <a:xfrm>
-            <a:off x="20802600" y="8534398"/>
-            <a:ext cx="10972800" cy="5816977"/>
-          </a:xfrm>
-          <a:prstGeom prst="rect">
-            <a:avLst/>
-          </a:prstGeom>
-          <a:noFill/>
-        </p:spPr>
-        <p:txBody>
-          <a:bodyPr wrap="square" rtlCol="0">
-            <a:spAutoFit/>
-          </a:bodyPr>
-          <a:lstStyle/>
-          <a:p>
-            <a:r>
-              <a:rPr lang="en-US" dirty="0" smtClean="0"/>
-              <a:t>Screenshot of Something w/ phone</a:t>
-            </a:r>
-            <a:endParaRPr lang="en-US" dirty="0"/>
-          </a:p>
-          <a:p>
-            <a:r>
-              <a:rPr lang="en-US" dirty="0" smtClean="0"/>
-              <a:t>Mention server use?</a:t>
-            </a:r>
-          </a:p>
-          <a:p>
-            <a:r>
-              <a:rPr lang="en-US" dirty="0" smtClean="0"/>
-              <a:t>Or perhaps this section should just be results beyond what methodology shows?</a:t>
-            </a:r>
-            <a:endParaRPr lang="en-US" dirty="0"/>
-          </a:p>
-        </p:txBody>
-      </p:sp>
-      <p:sp>
-        <p:nvSpPr>
           <p:cNvPr id="66" name="Rounded Rectangle 65"/>
           <p:cNvSpPr/>
           <p:nvPr/>
         </p:nvSpPr>
         <p:spPr>
           <a:xfrm>
-            <a:off x="19735800" y="15240001"/>
-            <a:ext cx="12703175" cy="3200400"/>
+            <a:off x="19735800" y="16128630"/>
+            <a:ext cx="12703175" cy="2616570"/>
           </a:xfrm>
           <a:prstGeom prst="roundRect">
             <a:avLst>
@@ -10014,7 +9987,7 @@
         </p:nvSpPr>
         <p:spPr bwMode="auto">
           <a:xfrm>
-            <a:off x="19812000" y="15392400"/>
+            <a:off x="19896137" y="16128630"/>
             <a:ext cx="12336463" cy="863970"/>
           </a:xfrm>
           <a:prstGeom prst="rect">
@@ -10177,7 +10150,7 @@
         </p:nvSpPr>
         <p:spPr>
           <a:xfrm>
-            <a:off x="19964400" y="16230600"/>
+            <a:off x="19964400" y="16987897"/>
             <a:ext cx="12107863" cy="2062103"/>
           </a:xfrm>
           <a:prstGeom prst="rect">
@@ -10197,15 +10170,7 @@
             </a:pPr>
             <a:r>
               <a:rPr lang="en-US" sz="3200" dirty="0" smtClean="0"/>
-              <a:t>Use </a:t>
-            </a:r>
-            <a:r>
-              <a:rPr lang="en-US" sz="3200" dirty="0" smtClean="0"/>
-              <a:t>the results of layout decomposition to </a:t>
-            </a:r>
-            <a:r>
-              <a:rPr lang="en-US" sz="3200" dirty="0" smtClean="0"/>
-              <a:t>generate code for a </a:t>
+              <a:t>Use the results of layout decomposition to generate code for a </a:t>
             </a:r>
             <a:r>
               <a:rPr lang="en-US" sz="3200" dirty="0" err="1" smtClean="0"/>
@@ -10215,7 +10180,6 @@
               <a:rPr lang="en-US" sz="3200" dirty="0" smtClean="0"/>
               <a:t> template for the given document </a:t>
             </a:r>
-            <a:endParaRPr lang="en-US" sz="3200" dirty="0" smtClean="0"/>
           </a:p>
           <a:p>
             <a:pPr marL="514350" indent="-514350">
@@ -10231,10 +10195,9 @@
               <a:t>LaTeX</a:t>
             </a:r>
             <a:r>
-              <a:rPr lang="en-US" sz="3200" smtClean="0"/>
+              <a:rPr lang="en-US" sz="3200" dirty="0" smtClean="0"/>
               <a:t> document</a:t>
             </a:r>
-            <a:endParaRPr lang="en-US" sz="3200" dirty="0" smtClean="0"/>
           </a:p>
           <a:p>
             <a:endParaRPr lang="en-US" sz="3200" dirty="0"/>
@@ -10297,7 +10260,15 @@
             <a:pPr algn="ctr"/>
             <a:r>
               <a:rPr lang="en-US" sz="4000" dirty="0" smtClean="0"/>
-              <a:t>Threshold to classify</a:t>
+              <a:t>Threshold </a:t>
+            </a:r>
+            <a:r>
+              <a:rPr lang="en-US" sz="4000" smtClean="0"/>
+              <a:t>to </a:t>
+            </a:r>
+            <a:r>
+              <a:rPr lang="en-US" sz="4000" smtClean="0"/>
+              <a:t>classify ??</a:t>
             </a:r>
             <a:endParaRPr lang="en-US" sz="4000" dirty="0"/>
           </a:p>

--- a/PosterTemplate.pptx
+++ b/PosterTemplate.pptx
@@ -2839,7 +2839,7 @@
               <a:pPr>
                 <a:defRPr/>
               </a:pPr>
-              <a:t>2015/5/31</a:t>
+              <a:t>2015/6/1</a:t>
             </a:fld>
             <a:endParaRPr lang="zh-TW" altLang="en-US"/>
           </a:p>
@@ -3612,7 +3612,7 @@
               <a:pPr>
                 <a:defRPr/>
               </a:pPr>
-              <a:t>2015/5/31</a:t>
+              <a:t>2015/6/1</a:t>
             </a:fld>
             <a:endParaRPr lang="zh-TW" altLang="en-US"/>
           </a:p>
@@ -3804,7 +3804,7 @@
               <a:pPr>
                 <a:defRPr/>
               </a:pPr>
-              <a:t>2015/5/31</a:t>
+              <a:t>2015/6/1</a:t>
             </a:fld>
             <a:endParaRPr lang="zh-TW" altLang="en-US"/>
           </a:p>
@@ -4006,7 +4006,7 @@
               <a:pPr>
                 <a:defRPr/>
               </a:pPr>
-              <a:t>2015/5/31</a:t>
+              <a:t>2015/6/1</a:t>
             </a:fld>
             <a:endParaRPr lang="zh-TW" altLang="en-US"/>
           </a:p>
@@ -4198,7 +4198,7 @@
               <a:pPr>
                 <a:defRPr/>
               </a:pPr>
-              <a:t>2015/5/31</a:t>
+              <a:t>2015/6/1</a:t>
             </a:fld>
             <a:endParaRPr lang="zh-TW" altLang="en-US"/>
           </a:p>
@@ -4466,7 +4466,7 @@
               <a:pPr>
                 <a:defRPr/>
               </a:pPr>
-              <a:t>2015/5/31</a:t>
+              <a:t>2015/6/1</a:t>
             </a:fld>
             <a:endParaRPr lang="zh-TW" altLang="en-US"/>
           </a:p>
@@ -4776,7 +4776,7 @@
               <a:pPr>
                 <a:defRPr/>
               </a:pPr>
-              <a:t>2015/5/31</a:t>
+              <a:t>2015/6/1</a:t>
             </a:fld>
             <a:endParaRPr lang="zh-TW" altLang="en-US"/>
           </a:p>
@@ -5220,7 +5220,7 @@
               <a:pPr>
                 <a:defRPr/>
               </a:pPr>
-              <a:t>2015/5/31</a:t>
+              <a:t>2015/6/1</a:t>
             </a:fld>
             <a:endParaRPr lang="zh-TW" altLang="en-US"/>
           </a:p>
@@ -5360,7 +5360,7 @@
               <a:pPr>
                 <a:defRPr/>
               </a:pPr>
-              <a:t>2015/5/31</a:t>
+              <a:t>2015/6/1</a:t>
             </a:fld>
             <a:endParaRPr lang="zh-TW" altLang="en-US"/>
           </a:p>
@@ -5477,7 +5477,7 @@
               <a:pPr>
                 <a:defRPr/>
               </a:pPr>
-              <a:t>2015/5/31</a:t>
+              <a:t>2015/6/1</a:t>
             </a:fld>
             <a:endParaRPr lang="zh-TW" altLang="en-US"/>
           </a:p>
@@ -5776,7 +5776,7 @@
               <a:pPr>
                 <a:defRPr/>
               </a:pPr>
-              <a:t>2015/5/31</a:t>
+              <a:t>2015/6/1</a:t>
             </a:fld>
             <a:endParaRPr lang="zh-TW" altLang="en-US"/>
           </a:p>
@@ -6054,7 +6054,7 @@
               <a:pPr>
                 <a:defRPr/>
               </a:pPr>
-              <a:t>2015/5/31</a:t>
+              <a:t>2015/6/1</a:t>
             </a:fld>
             <a:endParaRPr lang="zh-TW" altLang="en-US"/>
           </a:p>
@@ -6342,7 +6342,7 @@
               <a:pPr>
                 <a:defRPr/>
               </a:pPr>
-              <a:t>2015/5/31</a:t>
+              <a:t>2015/6/1</a:t>
             </a:fld>
             <a:endParaRPr lang="zh-TW" altLang="en-US"/>
           </a:p>
@@ -7902,15 +7902,7 @@
             </a:r>
             <a:r>
               <a:rPr lang="en-US" sz="4000" dirty="0" smtClean="0"/>
-              <a:t> is a low-level markup and programming language that produces aesthetically pleasing PDF documents with diverse content. This project aims to analyze the layout of </a:t>
-            </a:r>
-            <a:r>
-              <a:rPr lang="en-US" sz="4000" dirty="0" smtClean="0"/>
-              <a:t>mobile images </a:t>
-            </a:r>
-            <a:r>
-              <a:rPr lang="en-US" sz="4000" dirty="0" smtClean="0"/>
-              <a:t>of </a:t>
+              <a:t> is a low-level markup and programming language that produces aesthetically pleasing PDF documents with diverse content. This project aims to analyze the layout of mobile images of </a:t>
             </a:r>
             <a:r>
               <a:rPr lang="en-US" sz="4000" dirty="0" err="1" smtClean="0"/>
@@ -7926,15 +7918,7 @@
             </a:r>
             <a:r>
               <a:rPr lang="en-US" sz="4000" dirty="0" smtClean="0"/>
-              <a:t> source code</a:t>
-            </a:r>
-            <a:r>
-              <a:rPr lang="en-US" sz="4000" dirty="0" smtClean="0"/>
-              <a:t>. Input is captured from an Android phone</a:t>
-            </a:r>
-            <a:r>
-              <a:rPr lang="en-US" sz="4000" dirty="0" smtClean="0"/>
-              <a:t>, and the results are computed on a server.</a:t>
+              <a:t> source code. Input is captured from an Android phone, and the results are computed on a server.</a:t>
             </a:r>
             <a:endParaRPr lang="en-US" sz="4000" dirty="0"/>
           </a:p>
@@ -9644,47 +9628,6 @@
       </p:sp>
       <p:sp>
         <p:nvSpPr>
-          <p:cNvPr id="49" name="Rectangle 48"/>
-          <p:cNvSpPr/>
-          <p:nvPr/>
-        </p:nvSpPr>
-        <p:spPr>
-          <a:xfrm>
-            <a:off x="7848600" y="13182600"/>
-            <a:ext cx="1828800" cy="2057400"/>
-          </a:xfrm>
-          <a:prstGeom prst="rect">
-            <a:avLst/>
-          </a:prstGeom>
-          <a:noFill/>
-        </p:spPr>
-        <p:style>
-          <a:lnRef idx="2">
-            <a:schemeClr val="accent1">
-              <a:shade val="50000"/>
-            </a:schemeClr>
-          </a:lnRef>
-          <a:fillRef idx="1">
-            <a:schemeClr val="accent1"/>
-          </a:fillRef>
-          <a:effectRef idx="0">
-            <a:schemeClr val="accent1"/>
-          </a:effectRef>
-          <a:fontRef idx="minor">
-            <a:schemeClr val="lt1"/>
-          </a:fontRef>
-        </p:style>
-        <p:txBody>
-          <a:bodyPr rtlCol="0" anchor="ctr"/>
-          <a:lstStyle/>
-          <a:p>
-            <a:pPr algn="ctr"/>
-            <a:endParaRPr lang="en-US"/>
-          </a:p>
-        </p:txBody>
-      </p:sp>
-      <p:sp>
-        <p:nvSpPr>
           <p:cNvPr id="50" name="TextBox 49"/>
           <p:cNvSpPr txBox="1"/>
           <p:nvPr/>
@@ -9716,14 +9659,14 @@
       </p:sp>
       <p:sp>
         <p:nvSpPr>
-          <p:cNvPr id="51" name="TextBox 50"/>
+          <p:cNvPr id="56" name="TextBox 55"/>
           <p:cNvSpPr txBox="1"/>
           <p:nvPr/>
         </p:nvSpPr>
         <p:spPr>
           <a:xfrm>
-            <a:off x="8229599" y="13792200"/>
-            <a:ext cx="1178719" cy="1569660"/>
+            <a:off x="9982199" y="10570370"/>
+            <a:ext cx="2976670" cy="1323439"/>
           </a:xfrm>
           <a:prstGeom prst="rect">
             <a:avLst/>
@@ -9736,70 +9679,29 @@
           </a:bodyPr>
           <a:lstStyle/>
           <a:p>
-            <a:r>
-              <a:rPr lang="en-US" sz="2400" dirty="0" smtClean="0"/>
-              <a:t>EE </a:t>
-            </a:r>
-          </a:p>
-          <a:p>
-            <a:endParaRPr lang="en-US" sz="2400" dirty="0"/>
-          </a:p>
-          <a:p>
-            <a:r>
-              <a:rPr lang="en-US" sz="2400" dirty="0" smtClean="0"/>
-              <a:t>    368</a:t>
-            </a:r>
-          </a:p>
-          <a:p>
-            <a:endParaRPr lang="en-US" sz="2400" dirty="0" smtClean="0"/>
+            <a:pPr algn="ctr"/>
+            <a:r>
+              <a:rPr lang="en-US" sz="4000" dirty="0" smtClean="0"/>
+              <a:t>Adaptive </a:t>
+            </a:r>
+            <a:r>
+              <a:rPr lang="en-US" sz="4000" dirty="0" err="1" smtClean="0"/>
+              <a:t>Binarization</a:t>
+            </a:r>
+            <a:endParaRPr lang="en-US" sz="4000" dirty="0"/>
           </a:p>
         </p:txBody>
       </p:sp>
-      <p:cxnSp>
-        <p:nvCxnSpPr>
-          <p:cNvPr id="53" name="Straight Connector 52"/>
-          <p:cNvCxnSpPr/>
-          <p:nvPr/>
-        </p:nvCxnSpPr>
-        <p:spPr>
-          <a:xfrm>
-            <a:off x="8229599" y="12877800"/>
-            <a:ext cx="0" cy="2514600"/>
-          </a:xfrm>
-          <a:prstGeom prst="line">
-            <a:avLst/>
-          </a:prstGeom>
-          <a:ln>
-            <a:solidFill>
-              <a:schemeClr val="accent2"/>
-            </a:solidFill>
-          </a:ln>
-        </p:spPr>
-        <p:style>
-          <a:lnRef idx="1">
-            <a:schemeClr val="accent1"/>
-          </a:lnRef>
-          <a:fillRef idx="0">
-            <a:schemeClr val="accent1"/>
-          </a:fillRef>
-          <a:effectRef idx="0">
-            <a:schemeClr val="accent1"/>
-          </a:effectRef>
-          <a:fontRef idx="minor">
-            <a:schemeClr val="tx1"/>
-          </a:fontRef>
-        </p:style>
-      </p:cxnSp>
       <p:sp>
         <p:nvSpPr>
-          <p:cNvPr id="55" name="TextBox 54"/>
+          <p:cNvPr id="63" name="TextBox 62"/>
           <p:cNvSpPr txBox="1"/>
           <p:nvPr/>
         </p:nvSpPr>
         <p:spPr>
           <a:xfrm>
-            <a:off x="15871032" y="13427321"/>
-            <a:ext cx="2971800" cy="2954655"/>
+            <a:off x="12766356" y="10570370"/>
+            <a:ext cx="3104675" cy="1323439"/>
           </a:xfrm>
           <a:prstGeom prst="rect">
             <a:avLst/>
@@ -9812,81 +9714,14 @@
           </a:bodyPr>
           <a:lstStyle/>
           <a:p>
-            <a:r>
-              <a:rPr lang="en-US" dirty="0" smtClean="0"/>
-              <a:t>Output image</a:t>
-            </a:r>
-          </a:p>
-          <a:p>
-            <a:r>
-              <a:rPr lang="en-US" dirty="0" smtClean="0"/>
-              <a:t>here</a:t>
-            </a:r>
-            <a:endParaRPr lang="en-US" dirty="0"/>
-          </a:p>
-        </p:txBody>
-      </p:sp>
-      <p:sp>
-        <p:nvSpPr>
-          <p:cNvPr id="56" name="TextBox 55"/>
-          <p:cNvSpPr txBox="1"/>
-          <p:nvPr/>
-        </p:nvSpPr>
-        <p:spPr>
-          <a:xfrm>
-            <a:off x="7162800" y="10570371"/>
-            <a:ext cx="3886200" cy="1323439"/>
-          </a:xfrm>
-          <a:prstGeom prst="rect">
-            <a:avLst/>
-          </a:prstGeom>
-          <a:noFill/>
-        </p:spPr>
-        <p:txBody>
-          <a:bodyPr wrap="square" rtlCol="0">
-            <a:spAutoFit/>
-          </a:bodyPr>
-          <a:lstStyle/>
-          <a:p>
             <a:pPr algn="ctr"/>
             <a:r>
               <a:rPr lang="en-US" sz="4000" dirty="0" smtClean="0"/>
-              <a:t>Adaptive Local </a:t>
-            </a:r>
-            <a:r>
-              <a:rPr lang="en-US" sz="4000" dirty="0" err="1" smtClean="0"/>
-              <a:t>Binarization</a:t>
-            </a:r>
-            <a:endParaRPr lang="en-US" sz="4000" dirty="0"/>
-          </a:p>
-        </p:txBody>
-      </p:sp>
-      <p:sp>
-        <p:nvSpPr>
-          <p:cNvPr id="63" name="TextBox 62"/>
-          <p:cNvSpPr txBox="1"/>
-          <p:nvPr/>
-        </p:nvSpPr>
-        <p:spPr>
-          <a:xfrm>
-            <a:off x="11070432" y="10570370"/>
-            <a:ext cx="3886200" cy="1323439"/>
-          </a:xfrm>
-          <a:prstGeom prst="rect">
-            <a:avLst/>
-          </a:prstGeom>
-          <a:noFill/>
-        </p:spPr>
-        <p:txBody>
-          <a:bodyPr wrap="square" rtlCol="0">
-            <a:spAutoFit/>
-          </a:bodyPr>
-          <a:lstStyle/>
-          <a:p>
-            <a:pPr algn="ctr"/>
+              <a:t>Skew </a:t>
+            </a:r>
             <a:r>
               <a:rPr lang="en-US" sz="4000" dirty="0" smtClean="0"/>
-              <a:t>Skew Detection &amp; Correction</a:t>
+              <a:t>Correction</a:t>
             </a:r>
             <a:endParaRPr lang="en-US" sz="4000" dirty="0"/>
           </a:p>
@@ -9900,8 +9735,8 @@
         </p:nvSpPr>
         <p:spPr>
           <a:xfrm>
-            <a:off x="14956632" y="10559455"/>
-            <a:ext cx="3886200" cy="707886"/>
+            <a:off x="16145870" y="10559455"/>
+            <a:ext cx="2696962" cy="1323439"/>
           </a:xfrm>
           <a:prstGeom prst="rect">
             <a:avLst/>
@@ -10264,11 +10099,7 @@
             </a:r>
             <a:r>
               <a:rPr lang="en-US" sz="4000" smtClean="0"/>
-              <a:t>to </a:t>
-            </a:r>
-            <a:r>
-              <a:rPr lang="en-US" sz="4000" smtClean="0"/>
-              <a:t>classify ??</a:t>
+              <a:t>to classify ??</a:t>
             </a:r>
             <a:endParaRPr lang="en-US" sz="4000" dirty="0"/>
           </a:p>
@@ -10436,6 +10267,282 @@
           </a:fontRef>
         </p:style>
       </p:cxnSp>
+      <p:pic>
+        <p:nvPicPr>
+          <p:cNvPr id="6" name="Picture 5"/>
+          <p:cNvPicPr>
+            <a:picLocks noChangeAspect="1"/>
+          </p:cNvPicPr>
+          <p:nvPr/>
+        </p:nvPicPr>
+        <p:blipFill>
+          <a:blip r:embed="rId10" cstate="print">
+            <a:extLst>
+              <a:ext uri="{28A0092B-C50C-407E-A947-70E740481C1C}">
+                <a14:useLocalDpi xmlns:a14="http://schemas.microsoft.com/office/drawing/2010/main" val="0"/>
+              </a:ext>
+            </a:extLst>
+          </a:blip>
+          <a:stretch>
+            <a:fillRect/>
+          </a:stretch>
+        </p:blipFill>
+        <p:spPr>
+          <a:xfrm>
+            <a:off x="10287000" y="7583804"/>
+            <a:ext cx="2227889" cy="2982793"/>
+          </a:xfrm>
+          <a:prstGeom prst="rect">
+            <a:avLst/>
+          </a:prstGeom>
+        </p:spPr>
+      </p:pic>
+      <p:pic>
+        <p:nvPicPr>
+          <p:cNvPr id="35" name="Picture 34"/>
+          <p:cNvPicPr>
+            <a:picLocks noChangeAspect="1"/>
+          </p:cNvPicPr>
+          <p:nvPr/>
+        </p:nvPicPr>
+        <p:blipFill>
+          <a:blip r:embed="rId11" cstate="print">
+            <a:extLst>
+              <a:ext uri="{28A0092B-C50C-407E-A947-70E740481C1C}">
+                <a14:useLocalDpi xmlns:a14="http://schemas.microsoft.com/office/drawing/2010/main" val="0"/>
+              </a:ext>
+            </a:extLst>
+          </a:blip>
+          <a:stretch>
+            <a:fillRect/>
+          </a:stretch>
+        </p:blipFill>
+        <p:spPr>
+          <a:xfrm>
+            <a:off x="16145870" y="7566800"/>
+            <a:ext cx="2562406" cy="2999797"/>
+          </a:xfrm>
+          <a:prstGeom prst="rect">
+            <a:avLst/>
+          </a:prstGeom>
+        </p:spPr>
+      </p:pic>
+      <p:pic>
+        <p:nvPicPr>
+          <p:cNvPr id="39" name="Picture 38"/>
+          <p:cNvPicPr>
+            <a:picLocks noChangeAspect="1"/>
+          </p:cNvPicPr>
+          <p:nvPr/>
+        </p:nvPicPr>
+        <p:blipFill>
+          <a:blip r:embed="rId12" cstate="print">
+            <a:extLst>
+              <a:ext uri="{28A0092B-C50C-407E-A947-70E740481C1C}">
+                <a14:useLocalDpi xmlns:a14="http://schemas.microsoft.com/office/drawing/2010/main" val="0"/>
+              </a:ext>
+            </a:extLst>
+          </a:blip>
+          <a:stretch>
+            <a:fillRect/>
+          </a:stretch>
+        </p:blipFill>
+        <p:spPr>
+          <a:xfrm>
+            <a:off x="7467600" y="12528676"/>
+            <a:ext cx="2521744" cy="2670540"/>
+          </a:xfrm>
+          <a:prstGeom prst="rect">
+            <a:avLst/>
+          </a:prstGeom>
+        </p:spPr>
+      </p:pic>
+      <p:cxnSp>
+        <p:nvCxnSpPr>
+          <p:cNvPr id="53" name="Straight Connector 52"/>
+          <p:cNvCxnSpPr/>
+          <p:nvPr/>
+        </p:nvCxnSpPr>
+        <p:spPr>
+          <a:xfrm>
+            <a:off x="8229599" y="12877800"/>
+            <a:ext cx="0" cy="2514600"/>
+          </a:xfrm>
+          <a:prstGeom prst="line">
+            <a:avLst/>
+          </a:prstGeom>
+          <a:ln>
+            <a:solidFill>
+              <a:schemeClr val="accent2"/>
+            </a:solidFill>
+          </a:ln>
+        </p:spPr>
+        <p:style>
+          <a:lnRef idx="1">
+            <a:schemeClr val="accent1"/>
+          </a:lnRef>
+          <a:fillRef idx="0">
+            <a:schemeClr val="accent1"/>
+          </a:fillRef>
+          <a:effectRef idx="0">
+            <a:schemeClr val="accent1"/>
+          </a:effectRef>
+          <a:fontRef idx="minor">
+            <a:schemeClr val="tx1"/>
+          </a:fontRef>
+        </p:style>
+      </p:cxnSp>
+      <p:pic>
+        <p:nvPicPr>
+          <p:cNvPr id="40" name="Picture 39"/>
+          <p:cNvPicPr>
+            <a:picLocks noChangeAspect="1"/>
+          </p:cNvPicPr>
+          <p:nvPr/>
+        </p:nvPicPr>
+        <p:blipFill>
+          <a:blip r:embed="rId13" cstate="print">
+            <a:extLst>
+              <a:ext uri="{28A0092B-C50C-407E-A947-70E740481C1C}">
+                <a14:useLocalDpi xmlns:a14="http://schemas.microsoft.com/office/drawing/2010/main" val="0"/>
+              </a:ext>
+            </a:extLst>
+          </a:blip>
+          <a:stretch>
+            <a:fillRect/>
+          </a:stretch>
+        </p:blipFill>
+        <p:spPr>
+          <a:xfrm>
+            <a:off x="13233708" y="7583804"/>
+            <a:ext cx="2433774" cy="3033865"/>
+          </a:xfrm>
+          <a:prstGeom prst="rect">
+            <a:avLst/>
+          </a:prstGeom>
+        </p:spPr>
+      </p:pic>
+      <p:sp>
+        <p:nvSpPr>
+          <p:cNvPr id="41" name="TextBox 40"/>
+          <p:cNvSpPr txBox="1"/>
+          <p:nvPr/>
+        </p:nvSpPr>
+        <p:spPr>
+          <a:xfrm>
+            <a:off x="7356985" y="10617669"/>
+            <a:ext cx="2612232" cy="707886"/>
+          </a:xfrm>
+          <a:prstGeom prst="rect">
+            <a:avLst/>
+          </a:prstGeom>
+          <a:noFill/>
+        </p:spPr>
+        <p:txBody>
+          <a:bodyPr wrap="square" rtlCol="0">
+            <a:spAutoFit/>
+          </a:bodyPr>
+          <a:lstStyle/>
+          <a:p>
+            <a:pPr algn="ctr"/>
+            <a:r>
+              <a:rPr lang="en-US" sz="4000" dirty="0" smtClean="0"/>
+              <a:t>Input</a:t>
+            </a:r>
+            <a:endParaRPr lang="en-US" sz="4000" dirty="0"/>
+          </a:p>
+        </p:txBody>
+      </p:sp>
+      <p:pic>
+        <p:nvPicPr>
+          <p:cNvPr id="42" name="Picture 41"/>
+          <p:cNvPicPr>
+            <a:picLocks noChangeAspect="1"/>
+          </p:cNvPicPr>
+          <p:nvPr/>
+        </p:nvPicPr>
+        <p:blipFill>
+          <a:blip r:embed="rId14" cstate="print">
+            <a:extLst>
+              <a:ext uri="{28A0092B-C50C-407E-A947-70E740481C1C}">
+                <a14:useLocalDpi xmlns:a14="http://schemas.microsoft.com/office/drawing/2010/main" val="0"/>
+              </a:ext>
+            </a:extLst>
+          </a:blip>
+          <a:stretch>
+            <a:fillRect/>
+          </a:stretch>
+        </p:blipFill>
+        <p:spPr>
+          <a:xfrm>
+            <a:off x="7467600" y="7566799"/>
+            <a:ext cx="2297939" cy="2992655"/>
+          </a:xfrm>
+          <a:prstGeom prst="rect">
+            <a:avLst/>
+          </a:prstGeom>
+        </p:spPr>
+      </p:pic>
+      <p:pic>
+        <p:nvPicPr>
+          <p:cNvPr id="44" name="Picture 43"/>
+          <p:cNvPicPr>
+            <a:picLocks noChangeAspect="1"/>
+          </p:cNvPicPr>
+          <p:nvPr/>
+        </p:nvPicPr>
+        <p:blipFill>
+          <a:blip r:embed="rId15" cstate="print">
+            <a:extLst>
+              <a:ext uri="{28A0092B-C50C-407E-A947-70E740481C1C}">
+                <a14:useLocalDpi xmlns:a14="http://schemas.microsoft.com/office/drawing/2010/main" val="0"/>
+              </a:ext>
+            </a:extLst>
+          </a:blip>
+          <a:stretch>
+            <a:fillRect/>
+          </a:stretch>
+        </p:blipFill>
+        <p:spPr>
+          <a:xfrm>
+            <a:off x="15932677" y="12528675"/>
+            <a:ext cx="2633205" cy="2988085"/>
+          </a:xfrm>
+          <a:prstGeom prst="rect">
+            <a:avLst/>
+          </a:prstGeom>
+        </p:spPr>
+      </p:pic>
+      <p:sp>
+        <p:nvSpPr>
+          <p:cNvPr id="45" name="TextBox 44"/>
+          <p:cNvSpPr txBox="1"/>
+          <p:nvPr/>
+        </p:nvSpPr>
+        <p:spPr>
+          <a:xfrm>
+            <a:off x="15773400" y="15516761"/>
+            <a:ext cx="3003946" cy="1323439"/>
+          </a:xfrm>
+          <a:prstGeom prst="rect">
+            <a:avLst/>
+          </a:prstGeom>
+          <a:noFill/>
+        </p:spPr>
+        <p:txBody>
+          <a:bodyPr wrap="square" rtlCol="0">
+            <a:spAutoFit/>
+          </a:bodyPr>
+          <a:lstStyle/>
+          <a:p>
+            <a:r>
+              <a:rPr lang="en-US" sz="4000" dirty="0" smtClean="0"/>
+              <a:t>Largest 100 Rectangles</a:t>
+            </a:r>
+            <a:endParaRPr lang="en-US" sz="4000" dirty="0"/>
+          </a:p>
+        </p:txBody>
+      </p:sp>
     </p:spTree>
   </p:cSld>
   <p:clrMapOvr>

--- a/PosterTemplate.pptx
+++ b/PosterTemplate.pptx
@@ -139,7 +139,7 @@
   </p:defaultTextStyle>
   <p:extLst>
     <p:ext uri="{EFAFB233-063F-42B5-8137-9DF3F51BA10A}">
-      <p15:sldGuideLst xmlns:p15="http://schemas.microsoft.com/office/powerpoint/2012/main">
+      <p15:sldGuideLst xmlns:p15="http://schemas.microsoft.com/office/powerpoint/2012/main" xmlns="">
         <p15:guide id="1" orient="horz" pos="6912">
           <p15:clr>
             <a:srgbClr val="A4A3A4"/>
@@ -3020,7 +3020,7 @@
             <a:fld id="{FF8BE305-F666-4D9A-8860-D06665B515FD}" type="slidenum">
               <a:rPr lang="zh-TW" altLang="en-US"/>
               <a:pPr/>
-              <a:t>‹#›</a:t>
+              <a:t>‹N°›</a:t>
             </a:fld>
             <a:endParaRPr lang="zh-TW" altLang="en-US"/>
           </a:p>
@@ -3666,7 +3666,7 @@
             <a:fld id="{FC662D1C-8278-4E0D-9A01-93183F3ECCA4}" type="slidenum">
               <a:rPr lang="zh-TW" altLang="en-US"/>
               <a:pPr/>
-              <a:t>‹#›</a:t>
+              <a:t>‹N°›</a:t>
             </a:fld>
             <a:endParaRPr lang="zh-TW" altLang="en-US"/>
           </a:p>
@@ -3858,7 +3858,7 @@
             <a:fld id="{C05C10A7-4B4A-4EEE-A770-431ED9DE8593}" type="slidenum">
               <a:rPr lang="zh-TW" altLang="en-US"/>
               <a:pPr/>
-              <a:t>‹#›</a:t>
+              <a:t>‹N°›</a:t>
             </a:fld>
             <a:endParaRPr lang="zh-TW" altLang="en-US"/>
           </a:p>
@@ -4060,7 +4060,7 @@
             <a:fld id="{6F407700-683C-4D81-A3B5-822CA16A035C}" type="slidenum">
               <a:rPr lang="zh-TW" altLang="en-US"/>
               <a:pPr/>
-              <a:t>‹#›</a:t>
+              <a:t>‹N°›</a:t>
             </a:fld>
             <a:endParaRPr lang="zh-TW" altLang="en-US"/>
           </a:p>
@@ -4252,7 +4252,7 @@
             <a:fld id="{F9AE8AB6-58A2-4693-A261-043812D82CF1}" type="slidenum">
               <a:rPr lang="zh-TW" altLang="en-US"/>
               <a:pPr/>
-              <a:t>‹#›</a:t>
+              <a:t>‹N°›</a:t>
             </a:fld>
             <a:endParaRPr lang="zh-TW" altLang="en-US"/>
           </a:p>
@@ -4520,7 +4520,7 @@
             <a:fld id="{C5635EE9-EA22-4A3A-80DA-A2255142BD45}" type="slidenum">
               <a:rPr lang="zh-TW" altLang="en-US"/>
               <a:pPr/>
-              <a:t>‹#›</a:t>
+              <a:t>‹N°›</a:t>
             </a:fld>
             <a:endParaRPr lang="zh-TW" altLang="en-US"/>
           </a:p>
@@ -4830,7 +4830,7 @@
             <a:fld id="{887D47FD-7EFA-4821-81A7-197D6399BE0C}" type="slidenum">
               <a:rPr lang="zh-TW" altLang="en-US"/>
               <a:pPr/>
-              <a:t>‹#›</a:t>
+              <a:t>‹N°›</a:t>
             </a:fld>
             <a:endParaRPr lang="zh-TW" altLang="en-US"/>
           </a:p>
@@ -5274,7 +5274,7 @@
             <a:fld id="{B9003291-25A5-4CD2-9101-E6EEC5BA2252}" type="slidenum">
               <a:rPr lang="zh-TW" altLang="en-US"/>
               <a:pPr/>
-              <a:t>‹#›</a:t>
+              <a:t>‹N°›</a:t>
             </a:fld>
             <a:endParaRPr lang="zh-TW" altLang="en-US"/>
           </a:p>
@@ -5414,7 +5414,7 @@
             <a:fld id="{CE07CDAB-EFE1-4158-BA05-F887FA50FFBD}" type="slidenum">
               <a:rPr lang="zh-TW" altLang="en-US"/>
               <a:pPr/>
-              <a:t>‹#›</a:t>
+              <a:t>‹N°›</a:t>
             </a:fld>
             <a:endParaRPr lang="zh-TW" altLang="en-US"/>
           </a:p>
@@ -5531,7 +5531,7 @@
             <a:fld id="{0673564B-CD08-4EF5-B757-593101DAF5AE}" type="slidenum">
               <a:rPr lang="zh-TW" altLang="en-US"/>
               <a:pPr/>
-              <a:t>‹#›</a:t>
+              <a:t>‹N°›</a:t>
             </a:fld>
             <a:endParaRPr lang="zh-TW" altLang="en-US"/>
           </a:p>
@@ -5830,7 +5830,7 @@
             <a:fld id="{B6F74B55-7C5B-4606-8D7C-F60AF07A94BD}" type="slidenum">
               <a:rPr lang="zh-TW" altLang="en-US"/>
               <a:pPr/>
-              <a:t>‹#›</a:t>
+              <a:t>‹N°›</a:t>
             </a:fld>
             <a:endParaRPr lang="zh-TW" altLang="en-US"/>
           </a:p>
@@ -6108,7 +6108,7 @@
             <a:fld id="{D1A1AC99-ACEB-4B13-9BE7-C183988FEC93}" type="slidenum">
               <a:rPr lang="zh-TW" altLang="en-US"/>
               <a:pPr/>
-              <a:t>‹#›</a:t>
+              <a:t>‹N°›</a:t>
             </a:fld>
             <a:endParaRPr lang="zh-TW" altLang="en-US"/>
           </a:p>
@@ -6430,7 +6430,7 @@
             <a:fld id="{FA0BC959-50B9-4608-BE39-435E59D73D7B}" type="slidenum">
               <a:rPr lang="zh-TW" altLang="en-US"/>
               <a:pPr/>
-              <a:t>‹#›</a:t>
+              <a:t>‹N°›</a:t>
             </a:fld>
             <a:endParaRPr lang="zh-TW" altLang="en-US"/>
           </a:p>
@@ -7896,6 +7896,7 @@
           </a:bodyPr>
           <a:lstStyle/>
           <a:p>
+            <a:pPr algn="just"/>
             <a:r>
               <a:rPr lang="en-US" sz="4000" dirty="0" err="1" smtClean="0"/>
               <a:t>LaTeX</a:t>
@@ -9717,11 +9718,7 @@
             <a:pPr algn="ctr"/>
             <a:r>
               <a:rPr lang="en-US" sz="4000" dirty="0" smtClean="0"/>
-              <a:t>Skew </a:t>
-            </a:r>
-            <a:r>
-              <a:rPr lang="en-US" sz="4000" dirty="0" smtClean="0"/>
-              <a:t>Correction</a:t>
+              <a:t>Skew Correction</a:t>
             </a:r>
             <a:endParaRPr lang="en-US" sz="4000" dirty="0"/>
           </a:p>
